--- a/PRESENTACION DIGITAL.pptx
+++ b/PRESENTACION DIGITAL.pptx
@@ -288,7 +288,7 @@
           <a:p>
             <a:fld id="{8FB2BB7D-8AEE-47BF-A663-688708530794}" type="datetimeFigureOut">
               <a:rPr lang="es-MX" smtClean="0"/>
-              <a:t>29/06/2021</a:t>
+              <a:t>23/04/2021</a:t>
             </a:fld>
             <a:endParaRPr lang="es-MX"/>
           </a:p>
@@ -555,7 +555,7 @@
           <a:p>
             <a:fld id="{8FB2BB7D-8AEE-47BF-A663-688708530794}" type="datetimeFigureOut">
               <a:rPr lang="es-MX" smtClean="0"/>
-              <a:t>29/06/2021</a:t>
+              <a:t>23/04/2021</a:t>
             </a:fld>
             <a:endParaRPr lang="es-MX"/>
           </a:p>
@@ -786,7 +786,7 @@
           <a:p>
             <a:fld id="{8FB2BB7D-8AEE-47BF-A663-688708530794}" type="datetimeFigureOut">
               <a:rPr lang="es-MX" smtClean="0"/>
-              <a:t>29/06/2021</a:t>
+              <a:t>23/04/2021</a:t>
             </a:fld>
             <a:endParaRPr lang="es-MX"/>
           </a:p>
@@ -1096,7 +1096,7 @@
           <a:p>
             <a:fld id="{8FB2BB7D-8AEE-47BF-A663-688708530794}" type="datetimeFigureOut">
               <a:rPr lang="es-MX" smtClean="0"/>
-              <a:t>29/06/2021</a:t>
+              <a:t>23/04/2021</a:t>
             </a:fld>
             <a:endParaRPr lang="es-MX"/>
           </a:p>
@@ -1569,7 +1569,7 @@
           <a:p>
             <a:fld id="{8FB2BB7D-8AEE-47BF-A663-688708530794}" type="datetimeFigureOut">
               <a:rPr lang="es-MX" smtClean="0"/>
-              <a:t>29/06/2021</a:t>
+              <a:t>23/04/2021</a:t>
             </a:fld>
             <a:endParaRPr lang="es-MX"/>
           </a:p>
@@ -2116,7 +2116,7 @@
           <a:p>
             <a:fld id="{8FB2BB7D-8AEE-47BF-A663-688708530794}" type="datetimeFigureOut">
               <a:rPr lang="es-MX" smtClean="0"/>
-              <a:t>29/06/2021</a:t>
+              <a:t>23/04/2021</a:t>
             </a:fld>
             <a:endParaRPr lang="es-MX"/>
           </a:p>
@@ -2890,7 +2890,7 @@
           <a:p>
             <a:fld id="{8FB2BB7D-8AEE-47BF-A663-688708530794}" type="datetimeFigureOut">
               <a:rPr lang="es-MX" smtClean="0"/>
-              <a:t>29/06/2021</a:t>
+              <a:t>23/04/2021</a:t>
             </a:fld>
             <a:endParaRPr lang="es-MX"/>
           </a:p>
@@ -3065,7 +3065,7 @@
           <a:p>
             <a:fld id="{8FB2BB7D-8AEE-47BF-A663-688708530794}" type="datetimeFigureOut">
               <a:rPr lang="es-MX" smtClean="0"/>
-              <a:t>29/06/2021</a:t>
+              <a:t>23/04/2021</a:t>
             </a:fld>
             <a:endParaRPr lang="es-MX"/>
           </a:p>
@@ -3288,7 +3288,7 @@
           <a:p>
             <a:fld id="{8FB2BB7D-8AEE-47BF-A663-688708530794}" type="datetimeFigureOut">
               <a:rPr lang="es-MX" smtClean="0"/>
-              <a:t>29/06/2021</a:t>
+              <a:t>23/04/2021</a:t>
             </a:fld>
             <a:endParaRPr lang="es-MX"/>
           </a:p>
@@ -3468,7 +3468,7 @@
           <a:p>
             <a:fld id="{8FB2BB7D-8AEE-47BF-A663-688708530794}" type="datetimeFigureOut">
               <a:rPr lang="es-MX" smtClean="0"/>
-              <a:t>29/06/2021</a:t>
+              <a:t>23/04/2021</a:t>
             </a:fld>
             <a:endParaRPr lang="es-MX"/>
           </a:p>
@@ -3757,7 +3757,7 @@
           <a:p>
             <a:fld id="{8FB2BB7D-8AEE-47BF-A663-688708530794}" type="datetimeFigureOut">
               <a:rPr lang="es-MX" smtClean="0"/>
-              <a:t>29/06/2021</a:t>
+              <a:t>23/04/2021</a:t>
             </a:fld>
             <a:endParaRPr lang="es-MX"/>
           </a:p>
@@ -3999,7 +3999,7 @@
           <a:p>
             <a:fld id="{8FB2BB7D-8AEE-47BF-A663-688708530794}" type="datetimeFigureOut">
               <a:rPr lang="es-MX" smtClean="0"/>
-              <a:t>29/06/2021</a:t>
+              <a:t>23/04/2021</a:t>
             </a:fld>
             <a:endParaRPr lang="es-MX"/>
           </a:p>
@@ -4378,7 +4378,7 @@
           <a:p>
             <a:fld id="{8FB2BB7D-8AEE-47BF-A663-688708530794}" type="datetimeFigureOut">
               <a:rPr lang="es-MX" smtClean="0"/>
-              <a:t>29/06/2021</a:t>
+              <a:t>23/04/2021</a:t>
             </a:fld>
             <a:endParaRPr lang="es-MX"/>
           </a:p>
@@ -4496,7 +4496,7 @@
           <a:p>
             <a:fld id="{8FB2BB7D-8AEE-47BF-A663-688708530794}" type="datetimeFigureOut">
               <a:rPr lang="es-MX" smtClean="0"/>
-              <a:t>29/06/2021</a:t>
+              <a:t>23/04/2021</a:t>
             </a:fld>
             <a:endParaRPr lang="es-MX"/>
           </a:p>
@@ -4591,7 +4591,7 @@
           <a:p>
             <a:fld id="{8FB2BB7D-8AEE-47BF-A663-688708530794}" type="datetimeFigureOut">
               <a:rPr lang="es-MX" smtClean="0"/>
-              <a:t>29/06/2021</a:t>
+              <a:t>23/04/2021</a:t>
             </a:fld>
             <a:endParaRPr lang="es-MX"/>
           </a:p>
@@ -4840,7 +4840,7 @@
           <a:p>
             <a:fld id="{8FB2BB7D-8AEE-47BF-A663-688708530794}" type="datetimeFigureOut">
               <a:rPr lang="es-MX" smtClean="0"/>
-              <a:t>29/06/2021</a:t>
+              <a:t>23/04/2021</a:t>
             </a:fld>
             <a:endParaRPr lang="es-MX"/>
           </a:p>
@@ -5097,7 +5097,7 @@
           <a:p>
             <a:fld id="{8FB2BB7D-8AEE-47BF-A663-688708530794}" type="datetimeFigureOut">
               <a:rPr lang="es-MX" smtClean="0"/>
-              <a:t>29/06/2021</a:t>
+              <a:t>23/04/2021</a:t>
             </a:fld>
             <a:endParaRPr lang="es-MX"/>
           </a:p>
@@ -5340,7 +5340,7 @@
           <a:p>
             <a:fld id="{8FB2BB7D-8AEE-47BF-A663-688708530794}" type="datetimeFigureOut">
               <a:rPr lang="es-MX" smtClean="0"/>
-              <a:t>29/06/2021</a:t>
+              <a:t>23/04/2021</a:t>
             </a:fld>
             <a:endParaRPr lang="es-MX"/>
           </a:p>
@@ -5756,7 +5756,7 @@
           <p:cNvPr id="6" name="Imagen 5">
             <a:extLst>
               <a:ext uri="{FF2B5EF4-FFF2-40B4-BE49-F238E27FC236}">
-                <a16:creationId xmlns:a16="http://schemas.microsoft.com/office/drawing/2014/main" xmlns="" id="{18FF58D5-7A4E-4683-B623-16CA14919973}"/>
+                <a16:creationId xmlns:a16="http://schemas.microsoft.com/office/drawing/2014/main" id="{18FF58D5-7A4E-4683-B623-16CA14919973}"/>
               </a:ext>
             </a:extLst>
           </p:cNvPr>
@@ -5822,7 +5822,7 @@
           <p:cNvPr id="4" name="Marcador de texto 2">
             <a:extLst>
               <a:ext uri="{FF2B5EF4-FFF2-40B4-BE49-F238E27FC236}">
-                <a16:creationId xmlns:a16="http://schemas.microsoft.com/office/drawing/2014/main" xmlns="" id="{D63205FC-D854-490C-A6D5-E5CE3C5634B4}"/>
+                <a16:creationId xmlns:a16="http://schemas.microsoft.com/office/drawing/2014/main" id="{D63205FC-D854-490C-A6D5-E5CE3C5634B4}"/>
               </a:ext>
             </a:extLst>
           </p:cNvPr>
@@ -6026,7 +6026,7 @@
           <p:cNvPr id="5" name="Marcador de contenido 3">
             <a:extLst>
               <a:ext uri="{FF2B5EF4-FFF2-40B4-BE49-F238E27FC236}">
-                <a16:creationId xmlns:a16="http://schemas.microsoft.com/office/drawing/2014/main" xmlns="" id="{624AC0CB-ED46-4BBC-ABF9-C1EB7542688F}"/>
+                <a16:creationId xmlns:a16="http://schemas.microsoft.com/office/drawing/2014/main" id="{624AC0CB-ED46-4BBC-ABF9-C1EB7542688F}"/>
               </a:ext>
             </a:extLst>
           </p:cNvPr>
@@ -6046,7 +6046,7 @@
         </p:spPr>
         <p:txBody>
           <a:bodyPr>
-            <a:normAutofit lnSpcReduction="10000"/>
+            <a:normAutofit/>
           </a:bodyPr>
           <a:lstStyle>
             <a:lvl1pPr marL="228600" indent="-228600" algn="l" defTabSz="914400" rtl="0" eaLnBrk="1" latinLnBrk="0" hangingPunct="1">
@@ -6233,7 +6233,7 @@
           <p:cNvPr id="6" name="Marcador de texto 4">
             <a:extLst>
               <a:ext uri="{FF2B5EF4-FFF2-40B4-BE49-F238E27FC236}">
-                <a16:creationId xmlns:a16="http://schemas.microsoft.com/office/drawing/2014/main" xmlns="" id="{53214A8E-B302-4E06-804B-F4C6B3F28BDE}"/>
+                <a16:creationId xmlns:a16="http://schemas.microsoft.com/office/drawing/2014/main" id="{53214A8E-B302-4E06-804B-F4C6B3F28BDE}"/>
               </a:ext>
             </a:extLst>
           </p:cNvPr>
@@ -6437,7 +6437,7 @@
           <p:cNvPr id="7" name="Marcador de contenido 5">
             <a:extLst>
               <a:ext uri="{FF2B5EF4-FFF2-40B4-BE49-F238E27FC236}">
-                <a16:creationId xmlns:a16="http://schemas.microsoft.com/office/drawing/2014/main" xmlns="" id="{D7721201-5950-4570-A493-28CBACAEC881}"/>
+                <a16:creationId xmlns:a16="http://schemas.microsoft.com/office/drawing/2014/main" id="{D7721201-5950-4570-A493-28CBACAEC881}"/>
               </a:ext>
             </a:extLst>
           </p:cNvPr>
@@ -6650,7 +6650,7 @@
           <p:cNvPr id="8" name="Gráfico 7" descr="Medalla">
             <a:extLst>
               <a:ext uri="{FF2B5EF4-FFF2-40B4-BE49-F238E27FC236}">
-                <a16:creationId xmlns:a16="http://schemas.microsoft.com/office/drawing/2014/main" xmlns="" id="{E8C6640F-7577-421A-9535-2B74A3122378}"/>
+                <a16:creationId xmlns:a16="http://schemas.microsoft.com/office/drawing/2014/main" id="{E8C6640F-7577-421A-9535-2B74A3122378}"/>
               </a:ext>
             </a:extLst>
           </p:cNvPr>
@@ -6660,13 +6660,13 @@
           <p:nvPr/>
         </p:nvPicPr>
         <p:blipFill>
-          <a:blip r:embed="rId2" cstate="print">
+          <a:blip r:embed="rId2">
             <a:extLst>
               <a:ext uri="{28A0092B-C50C-407E-A947-70E740481C1C}">
                 <a14:useLocalDpi xmlns:a14="http://schemas.microsoft.com/office/drawing/2010/main" val="0"/>
               </a:ext>
               <a:ext uri="{96DAC541-7B7A-43D3-8B79-37D633B846F1}">
-                <asvg:svgBlip xmlns:asvg="http://schemas.microsoft.com/office/drawing/2016/SVG/main" xmlns="" r:embed="rId3"/>
+                <asvg:svgBlip xmlns:asvg="http://schemas.microsoft.com/office/drawing/2016/SVG/main" r:embed="rId3"/>
               </a:ext>
             </a:extLst>
           </a:blip>
@@ -6689,7 +6689,7 @@
           <p:cNvPr id="9" name="Gráfico 8" descr="Cinta">
             <a:extLst>
               <a:ext uri="{FF2B5EF4-FFF2-40B4-BE49-F238E27FC236}">
-                <a16:creationId xmlns:a16="http://schemas.microsoft.com/office/drawing/2014/main" xmlns="" id="{610D68D2-EDC9-4775-A9BE-A0F365BAC87D}"/>
+                <a16:creationId xmlns:a16="http://schemas.microsoft.com/office/drawing/2014/main" id="{610D68D2-EDC9-4775-A9BE-A0F365BAC87D}"/>
               </a:ext>
             </a:extLst>
           </p:cNvPr>
@@ -6699,13 +6699,13 @@
           <p:nvPr/>
         </p:nvPicPr>
         <p:blipFill>
-          <a:blip r:embed="rId4" cstate="print">
+          <a:blip r:embed="rId4">
             <a:extLst>
               <a:ext uri="{28A0092B-C50C-407E-A947-70E740481C1C}">
                 <a14:useLocalDpi xmlns:a14="http://schemas.microsoft.com/office/drawing/2010/main" val="0"/>
               </a:ext>
               <a:ext uri="{96DAC541-7B7A-43D3-8B79-37D633B846F1}">
-                <asvg:svgBlip xmlns:asvg="http://schemas.microsoft.com/office/drawing/2016/SVG/main" xmlns="" r:embed="rId5"/>
+                <asvg:svgBlip xmlns:asvg="http://schemas.microsoft.com/office/drawing/2016/SVG/main" r:embed="rId5"/>
               </a:ext>
             </a:extLst>
           </a:blip>
@@ -6728,7 +6728,7 @@
           <p:cNvPr id="10" name="CuadroTexto 9">
             <a:extLst>
               <a:ext uri="{FF2B5EF4-FFF2-40B4-BE49-F238E27FC236}">
-                <a16:creationId xmlns:a16="http://schemas.microsoft.com/office/drawing/2014/main" xmlns="" id="{45CD8427-5261-44F1-9212-50DEF140861F}"/>
+                <a16:creationId xmlns:a16="http://schemas.microsoft.com/office/drawing/2014/main" id="{45CD8427-5261-44F1-9212-50DEF140861F}"/>
               </a:ext>
             </a:extLst>
           </p:cNvPr>
@@ -6781,7 +6781,7 @@
           <p:cNvPr id="11" name="CuadroTexto 10">
             <a:extLst>
               <a:ext uri="{FF2B5EF4-FFF2-40B4-BE49-F238E27FC236}">
-                <a16:creationId xmlns:a16="http://schemas.microsoft.com/office/drawing/2014/main" xmlns="" id="{4B88B833-FBF5-4F50-9689-6B8A73153B8D}"/>
+                <a16:creationId xmlns:a16="http://schemas.microsoft.com/office/drawing/2014/main" id="{4B88B833-FBF5-4F50-9689-6B8A73153B8D}"/>
               </a:ext>
             </a:extLst>
           </p:cNvPr>
@@ -6829,7 +6829,7 @@
           <p:cNvPr id="12" name="CuadroTexto 11">
             <a:extLst>
               <a:ext uri="{FF2B5EF4-FFF2-40B4-BE49-F238E27FC236}">
-                <a16:creationId xmlns:a16="http://schemas.microsoft.com/office/drawing/2014/main" xmlns="" id="{84EAB825-E097-434B-B6BD-744BE7696668}"/>
+                <a16:creationId xmlns:a16="http://schemas.microsoft.com/office/drawing/2014/main" id="{84EAB825-E097-434B-B6BD-744BE7696668}"/>
               </a:ext>
             </a:extLst>
           </p:cNvPr>
@@ -6870,7 +6870,7 @@
           <p:cNvPr id="13" name="CuadroTexto 12">
             <a:extLst>
               <a:ext uri="{FF2B5EF4-FFF2-40B4-BE49-F238E27FC236}">
-                <a16:creationId xmlns:a16="http://schemas.microsoft.com/office/drawing/2014/main" xmlns="" id="{E65C4F45-77BD-49B8-9B6B-1A26CD308EB0}"/>
+                <a16:creationId xmlns:a16="http://schemas.microsoft.com/office/drawing/2014/main" id="{E65C4F45-77BD-49B8-9B6B-1A26CD308EB0}"/>
               </a:ext>
             </a:extLst>
           </p:cNvPr>
@@ -6911,7 +6911,7 @@
           <p:cNvPr id="14" name="CuadroTexto 13">
             <a:extLst>
               <a:ext uri="{FF2B5EF4-FFF2-40B4-BE49-F238E27FC236}">
-                <a16:creationId xmlns:a16="http://schemas.microsoft.com/office/drawing/2014/main" xmlns="" id="{EE37C154-55A6-425A-91D8-0CC5F2324B87}"/>
+                <a16:creationId xmlns:a16="http://schemas.microsoft.com/office/drawing/2014/main" id="{EE37C154-55A6-425A-91D8-0CC5F2324B87}"/>
               </a:ext>
             </a:extLst>
           </p:cNvPr>
@@ -6959,7 +6959,7 @@
           <p:cNvPr id="15" name="CuadroTexto 14">
             <a:extLst>
               <a:ext uri="{FF2B5EF4-FFF2-40B4-BE49-F238E27FC236}">
-                <a16:creationId xmlns:a16="http://schemas.microsoft.com/office/drawing/2014/main" xmlns="" id="{40C14E87-2DB4-4170-AE11-25CFDF9054FF}"/>
+                <a16:creationId xmlns:a16="http://schemas.microsoft.com/office/drawing/2014/main" id="{40C14E87-2DB4-4170-AE11-25CFDF9054FF}"/>
               </a:ext>
             </a:extLst>
           </p:cNvPr>
@@ -6996,7 +6996,7 @@
           <p:cNvPr id="16" name="Abrir llave 15">
             <a:extLst>
               <a:ext uri="{FF2B5EF4-FFF2-40B4-BE49-F238E27FC236}">
-                <a16:creationId xmlns:a16="http://schemas.microsoft.com/office/drawing/2014/main" xmlns="" id="{EE062F05-A741-4B1D-9FD4-B16A5476F56E}"/>
+                <a16:creationId xmlns:a16="http://schemas.microsoft.com/office/drawing/2014/main" id="{EE062F05-A741-4B1D-9FD4-B16A5476F56E}"/>
               </a:ext>
             </a:extLst>
           </p:cNvPr>
@@ -7050,7 +7050,7 @@
           <p:cNvPr id="17" name="CuadroTexto 16">
             <a:extLst>
               <a:ext uri="{FF2B5EF4-FFF2-40B4-BE49-F238E27FC236}">
-                <a16:creationId xmlns:a16="http://schemas.microsoft.com/office/drawing/2014/main" xmlns="" id="{7F953F73-0EB3-4384-8268-66D5B0C669F9}"/>
+                <a16:creationId xmlns:a16="http://schemas.microsoft.com/office/drawing/2014/main" id="{7F953F73-0EB3-4384-8268-66D5B0C669F9}"/>
               </a:ext>
             </a:extLst>
           </p:cNvPr>
@@ -7091,7 +7091,7 @@
           <p:cNvPr id="18" name="CuadroTexto 17">
             <a:extLst>
               <a:ext uri="{FF2B5EF4-FFF2-40B4-BE49-F238E27FC236}">
-                <a16:creationId xmlns:a16="http://schemas.microsoft.com/office/drawing/2014/main" xmlns="" id="{60C8FCEB-3747-4860-85D2-5B67423E8C02}"/>
+                <a16:creationId xmlns:a16="http://schemas.microsoft.com/office/drawing/2014/main" id="{60C8FCEB-3747-4860-85D2-5B67423E8C02}"/>
               </a:ext>
             </a:extLst>
           </p:cNvPr>
@@ -7132,7 +7132,7 @@
           <p:cNvPr id="19" name="CuadroTexto 18">
             <a:extLst>
               <a:ext uri="{FF2B5EF4-FFF2-40B4-BE49-F238E27FC236}">
-                <a16:creationId xmlns:a16="http://schemas.microsoft.com/office/drawing/2014/main" xmlns="" id="{88C68176-64F0-42B4-AA68-A5D9E8448007}"/>
+                <a16:creationId xmlns:a16="http://schemas.microsoft.com/office/drawing/2014/main" id="{88C68176-64F0-42B4-AA68-A5D9E8448007}"/>
               </a:ext>
             </a:extLst>
           </p:cNvPr>
@@ -7173,7 +7173,7 @@
           <p:cNvPr id="20" name="Estrella: 5 puntas 19">
             <a:extLst>
               <a:ext uri="{FF2B5EF4-FFF2-40B4-BE49-F238E27FC236}">
-                <a16:creationId xmlns:a16="http://schemas.microsoft.com/office/drawing/2014/main" xmlns="" id="{DD5348C3-6A9B-4D3D-B58F-D545A6FD4921}"/>
+                <a16:creationId xmlns:a16="http://schemas.microsoft.com/office/drawing/2014/main" id="{DD5348C3-6A9B-4D3D-B58F-D545A6FD4921}"/>
               </a:ext>
             </a:extLst>
           </p:cNvPr>
@@ -7227,7 +7227,7 @@
           <p:cNvPr id="21" name="Diagrama de flujo: conector 20">
             <a:extLst>
               <a:ext uri="{FF2B5EF4-FFF2-40B4-BE49-F238E27FC236}">
-                <a16:creationId xmlns:a16="http://schemas.microsoft.com/office/drawing/2014/main" xmlns="" id="{C7372019-475A-4B6F-8609-D99A1075EA84}"/>
+                <a16:creationId xmlns:a16="http://schemas.microsoft.com/office/drawing/2014/main" id="{C7372019-475A-4B6F-8609-D99A1075EA84}"/>
               </a:ext>
             </a:extLst>
           </p:cNvPr>
@@ -7281,7 +7281,7 @@
           <p:cNvPr id="22" name="Diagrama de flujo: conector 21">
             <a:extLst>
               <a:ext uri="{FF2B5EF4-FFF2-40B4-BE49-F238E27FC236}">
-                <a16:creationId xmlns:a16="http://schemas.microsoft.com/office/drawing/2014/main" xmlns="" id="{16BC5207-39B6-4BED-B722-0AF952C8DBA7}"/>
+                <a16:creationId xmlns:a16="http://schemas.microsoft.com/office/drawing/2014/main" id="{16BC5207-39B6-4BED-B722-0AF952C8DBA7}"/>
               </a:ext>
             </a:extLst>
           </p:cNvPr>
@@ -7335,7 +7335,7 @@
           <p:cNvPr id="23" name="Diagrama de flujo: conector 22">
             <a:extLst>
               <a:ext uri="{FF2B5EF4-FFF2-40B4-BE49-F238E27FC236}">
-                <a16:creationId xmlns:a16="http://schemas.microsoft.com/office/drawing/2014/main" xmlns="" id="{88603198-D48F-433A-BE2F-445FE6B94457}"/>
+                <a16:creationId xmlns:a16="http://schemas.microsoft.com/office/drawing/2014/main" id="{88603198-D48F-433A-BE2F-445FE6B94457}"/>
               </a:ext>
             </a:extLst>
           </p:cNvPr>
@@ -7389,7 +7389,7 @@
           <p:cNvPr id="24" name="Diagrama de flujo: conector 23">
             <a:extLst>
               <a:ext uri="{FF2B5EF4-FFF2-40B4-BE49-F238E27FC236}">
-                <a16:creationId xmlns:a16="http://schemas.microsoft.com/office/drawing/2014/main" xmlns="" id="{0C05C93E-41EC-42B8-B08A-6899C2989DDA}"/>
+                <a16:creationId xmlns:a16="http://schemas.microsoft.com/office/drawing/2014/main" id="{0C05C93E-41EC-42B8-B08A-6899C2989DDA}"/>
               </a:ext>
             </a:extLst>
           </p:cNvPr>
@@ -7443,7 +7443,7 @@
           <p:cNvPr id="25" name="Diagrama de flujo: conector 24">
             <a:extLst>
               <a:ext uri="{FF2B5EF4-FFF2-40B4-BE49-F238E27FC236}">
-                <a16:creationId xmlns:a16="http://schemas.microsoft.com/office/drawing/2014/main" xmlns="" id="{0273D943-C3F3-46FE-BF7B-69E824EA4ECF}"/>
+                <a16:creationId xmlns:a16="http://schemas.microsoft.com/office/drawing/2014/main" id="{0273D943-C3F3-46FE-BF7B-69E824EA4ECF}"/>
               </a:ext>
             </a:extLst>
           </p:cNvPr>
@@ -7527,7 +7527,7 @@
           <p:cNvPr id="4" name="CuadroTexto 3">
             <a:extLst>
               <a:ext uri="{FF2B5EF4-FFF2-40B4-BE49-F238E27FC236}">
-                <a16:creationId xmlns:a16="http://schemas.microsoft.com/office/drawing/2014/main" xmlns="" id="{5AE52A12-BEFB-4803-9EDE-7D69BB2A8D03}"/>
+                <a16:creationId xmlns:a16="http://schemas.microsoft.com/office/drawing/2014/main" id="{5AE52A12-BEFB-4803-9EDE-7D69BB2A8D03}"/>
               </a:ext>
             </a:extLst>
           </p:cNvPr>
@@ -7559,10 +7559,6 @@
                 <a:latin typeface="Open Sans"/>
               </a:rPr>
               <a:t>LOGISTICA</a:t>
-            </a:r>
-            <a:r>
-              <a:rPr lang="es-MX" dirty="0"/>
-              <a:t/>
             </a:r>
             <a:br>
               <a:rPr lang="es-MX" dirty="0"/>
@@ -7623,7 +7619,7 @@
           <p:cNvPr id="5" name="CuadroTexto 4">
             <a:extLst>
               <a:ext uri="{FF2B5EF4-FFF2-40B4-BE49-F238E27FC236}">
-                <a16:creationId xmlns:a16="http://schemas.microsoft.com/office/drawing/2014/main" xmlns="" id="{4C404845-FF52-4486-A543-2D90825598F1}"/>
+                <a16:creationId xmlns:a16="http://schemas.microsoft.com/office/drawing/2014/main" id="{4C404845-FF52-4486-A543-2D90825598F1}"/>
               </a:ext>
             </a:extLst>
           </p:cNvPr>
@@ -7656,10 +7652,6 @@
               </a:rPr>
               <a:t>COBERTURA</a:t>
             </a:r>
-            <a:r>
-              <a:rPr lang="es-MX" dirty="0"/>
-              <a:t/>
-            </a:r>
             <a:br>
               <a:rPr lang="es-MX" dirty="0"/>
             </a:br>
@@ -7682,7 +7674,7 @@
           <p:cNvPr id="6" name="CuadroTexto 5">
             <a:extLst>
               <a:ext uri="{FF2B5EF4-FFF2-40B4-BE49-F238E27FC236}">
-                <a16:creationId xmlns:a16="http://schemas.microsoft.com/office/drawing/2014/main" xmlns="" id="{9C715A02-DC09-4928-AB1C-9B33ACBD01F1}"/>
+                <a16:creationId xmlns:a16="http://schemas.microsoft.com/office/drawing/2014/main" id="{9C715A02-DC09-4928-AB1C-9B33ACBD01F1}"/>
               </a:ext>
             </a:extLst>
           </p:cNvPr>
@@ -7715,10 +7707,6 @@
               </a:rPr>
               <a:t>SEGURIDAD</a:t>
             </a:r>
-            <a:r>
-              <a:rPr lang="es-MX" dirty="0"/>
-              <a:t/>
-            </a:r>
             <a:br>
               <a:rPr lang="es-MX" dirty="0"/>
             </a:br>
@@ -7761,7 +7749,7 @@
           <p:cNvPr id="7" name="CuadroTexto 6">
             <a:extLst>
               <a:ext uri="{FF2B5EF4-FFF2-40B4-BE49-F238E27FC236}">
-                <a16:creationId xmlns:a16="http://schemas.microsoft.com/office/drawing/2014/main" xmlns="" id="{992A33EE-FD84-4A62-8C44-9CED2C90E012}"/>
+                <a16:creationId xmlns:a16="http://schemas.microsoft.com/office/drawing/2014/main" id="{992A33EE-FD84-4A62-8C44-9CED2C90E012}"/>
               </a:ext>
             </a:extLst>
           </p:cNvPr>
@@ -7793,10 +7781,6 @@
                 <a:latin typeface="Open Sans"/>
               </a:rPr>
               <a:t>EMBALAJES</a:t>
-            </a:r>
-            <a:r>
-              <a:rPr lang="es-MX" dirty="0"/>
-              <a:t/>
             </a:r>
             <a:br>
               <a:rPr lang="es-MX" dirty="0"/>
@@ -7820,7 +7804,7 @@
           <p:cNvPr id="8" name="Picture 4" descr="Fije Los Iconos De Logística Aislados En Negro Ilustraciones Vectoriales,  Clip Art Vectorizado Libre De Derechos. Image 30744020.">
             <a:extLst>
               <a:ext uri="{FF2B5EF4-FFF2-40B4-BE49-F238E27FC236}">
-                <a16:creationId xmlns:a16="http://schemas.microsoft.com/office/drawing/2014/main" xmlns="" id="{0A1D2775-100B-4011-B4FF-26701C514BD2}"/>
+                <a16:creationId xmlns:a16="http://schemas.microsoft.com/office/drawing/2014/main" id="{0A1D2775-100B-4011-B4FF-26701C514BD2}"/>
               </a:ext>
             </a:extLst>
           </p:cNvPr>
@@ -7866,7 +7850,7 @@
           <p:cNvPr id="9" name="Picture 16" descr="Icono Entrega, internacional, ems, logística, transporte, en todo el mundo  Gratis de Postal Service Line - To your front door">
             <a:extLst>
               <a:ext uri="{FF2B5EF4-FFF2-40B4-BE49-F238E27FC236}">
-                <a16:creationId xmlns:a16="http://schemas.microsoft.com/office/drawing/2014/main" xmlns="" id="{9037E7FE-D3B1-4CAC-B0D0-CF8054022534}"/>
+                <a16:creationId xmlns:a16="http://schemas.microsoft.com/office/drawing/2014/main" id="{9037E7FE-D3B1-4CAC-B0D0-CF8054022534}"/>
               </a:ext>
             </a:extLst>
           </p:cNvPr>
@@ -7942,7 +7926,7 @@
           <p:cNvPr id="10" name="CuadroTexto 9">
             <a:extLst>
               <a:ext uri="{FF2B5EF4-FFF2-40B4-BE49-F238E27FC236}">
-                <a16:creationId xmlns:a16="http://schemas.microsoft.com/office/drawing/2014/main" xmlns="" id="{9C87E3BF-6424-4BBE-96BA-EAD41567032B}"/>
+                <a16:creationId xmlns:a16="http://schemas.microsoft.com/office/drawing/2014/main" id="{9C87E3BF-6424-4BBE-96BA-EAD41567032B}"/>
               </a:ext>
             </a:extLst>
           </p:cNvPr>
@@ -7987,7 +7971,7 @@
           <p:cNvPr id="11" name="Picture 2" descr="Icono Abierto, embalaje, caja, en, un, plaza de Gratis de humanitarian  Icons 1">
             <a:extLst>
               <a:ext uri="{FF2B5EF4-FFF2-40B4-BE49-F238E27FC236}">
-                <a16:creationId xmlns:a16="http://schemas.microsoft.com/office/drawing/2014/main" xmlns="" id="{D3CE6C54-0396-467C-8677-DE67E473994D}"/>
+                <a16:creationId xmlns:a16="http://schemas.microsoft.com/office/drawing/2014/main" id="{D3CE6C54-0396-467C-8677-DE67E473994D}"/>
               </a:ext>
             </a:extLst>
           </p:cNvPr>
@@ -8032,7 +8016,7 @@
           <p:cNvPr id="12" name="Picture 4" descr="Mapa mexicano república forma negro | Icono Gratis">
             <a:extLst>
               <a:ext uri="{FF2B5EF4-FFF2-40B4-BE49-F238E27FC236}">
-                <a16:creationId xmlns:a16="http://schemas.microsoft.com/office/drawing/2014/main" xmlns="" id="{C8805D08-1716-4245-BCF4-6EE28F42A63F}"/>
+                <a16:creationId xmlns:a16="http://schemas.microsoft.com/office/drawing/2014/main" id="{C8805D08-1716-4245-BCF4-6EE28F42A63F}"/>
               </a:ext>
             </a:extLst>
           </p:cNvPr>
@@ -8042,7 +8026,7 @@
           <p:nvPr/>
         </p:nvPicPr>
         <p:blipFill>
-          <a:blip r:embed="rId6" cstate="print">
+          <a:blip r:embed="rId6">
             <a:lum bright="70000" contrast="-70000"/>
             <a:extLst>
               <a:ext uri="{28A0092B-C50C-407E-A947-70E740481C1C}">
@@ -8080,7 +8064,7 @@
           <p:cNvPr id="13" name="Picture 6" descr="Ilustración de Icono De Sala De Juntas y más Vectores Libres de Derechos de  Adulto - iStock">
             <a:extLst>
               <a:ext uri="{FF2B5EF4-FFF2-40B4-BE49-F238E27FC236}">
-                <a16:creationId xmlns:a16="http://schemas.microsoft.com/office/drawing/2014/main" xmlns="" id="{F30D63D4-8662-4838-A2B6-66BB2CBD2AB0}"/>
+                <a16:creationId xmlns:a16="http://schemas.microsoft.com/office/drawing/2014/main" id="{F30D63D4-8662-4838-A2B6-66BB2CBD2AB0}"/>
               </a:ext>
             </a:extLst>
           </p:cNvPr>
@@ -8180,7 +8164,7 @@
           <p:cNvPr id="4" name="Rectangle 1">
             <a:extLst>
               <a:ext uri="{FF2B5EF4-FFF2-40B4-BE49-F238E27FC236}">
-                <a16:creationId xmlns:a16="http://schemas.microsoft.com/office/drawing/2014/main" xmlns="" id="{37B15287-8925-4063-97EB-0D505905B76C}"/>
+                <a16:creationId xmlns:a16="http://schemas.microsoft.com/office/drawing/2014/main" id="{37B15287-8925-4063-97EB-0D505905B76C}"/>
               </a:ext>
             </a:extLst>
           </p:cNvPr>
@@ -8416,16 +8400,6 @@
               </a:rPr>
               <a:t>Servicio Express</a:t>
             </a:r>
-            <a:r>
-              <a:rPr kumimoji="0" lang="es-MX" altLang="es-MX" i="0" u="none" strike="noStrike" cap="none" normalizeH="0" baseline="0" dirty="0">
-                <a:ln>
-                  <a:noFill/>
-                </a:ln>
-                <a:effectLst/>
-                <a:latin typeface="Open Sans"/>
-              </a:rPr>
-              <a:t/>
-            </a:r>
             <a:br>
               <a:rPr kumimoji="0" lang="es-MX" altLang="es-MX" i="0" u="none" strike="noStrike" cap="none" normalizeH="0" baseline="0" dirty="0">
                 <a:ln>
@@ -8488,16 +8462,6 @@
                 <a:latin typeface="Open Sans"/>
               </a:rPr>
               <a:t>Servicio Dedicado</a:t>
-            </a:r>
-            <a:r>
-              <a:rPr kumimoji="0" lang="es-MX" altLang="es-MX" i="0" u="none" strike="noStrike" cap="none" normalizeH="0" baseline="0" dirty="0">
-                <a:ln>
-                  <a:noFill/>
-                </a:ln>
-                <a:effectLst/>
-                <a:latin typeface="Open Sans"/>
-              </a:rPr>
-              <a:t/>
             </a:r>
             <a:br>
               <a:rPr kumimoji="0" lang="es-MX" altLang="es-MX" i="0" u="none" strike="noStrike" cap="none" normalizeH="0" baseline="0" dirty="0">
@@ -8547,7 +8511,7 @@
           <p:cNvPr id="5" name="CuadroTexto 4">
             <a:extLst>
               <a:ext uri="{FF2B5EF4-FFF2-40B4-BE49-F238E27FC236}">
-                <a16:creationId xmlns:a16="http://schemas.microsoft.com/office/drawing/2014/main" xmlns="" id="{22F436BD-B2CC-4781-9C88-8D27DA7E0EBE}"/>
+                <a16:creationId xmlns:a16="http://schemas.microsoft.com/office/drawing/2014/main" id="{22F436BD-B2CC-4781-9C88-8D27DA7E0EBE}"/>
               </a:ext>
             </a:extLst>
           </p:cNvPr>
@@ -8584,7 +8548,7 @@
           <p:cNvPr id="6" name="CuadroTexto 5">
             <a:extLst>
               <a:ext uri="{FF2B5EF4-FFF2-40B4-BE49-F238E27FC236}">
-                <a16:creationId xmlns:a16="http://schemas.microsoft.com/office/drawing/2014/main" xmlns="" id="{4B694C81-0787-4B65-B229-DD196989D94E}"/>
+                <a16:creationId xmlns:a16="http://schemas.microsoft.com/office/drawing/2014/main" id="{4B694C81-0787-4B65-B229-DD196989D94E}"/>
               </a:ext>
             </a:extLst>
           </p:cNvPr>
@@ -8631,7 +8595,7 @@
           <p:cNvPr id="7" name="CuadroTexto 6">
             <a:extLst>
               <a:ext uri="{FF2B5EF4-FFF2-40B4-BE49-F238E27FC236}">
-                <a16:creationId xmlns:a16="http://schemas.microsoft.com/office/drawing/2014/main" xmlns="" id="{506A008A-1D6F-40C2-BDD2-D8D95E3C754D}"/>
+                <a16:creationId xmlns:a16="http://schemas.microsoft.com/office/drawing/2014/main" id="{506A008A-1D6F-40C2-BDD2-D8D95E3C754D}"/>
               </a:ext>
             </a:extLst>
           </p:cNvPr>
@@ -8678,7 +8642,7 @@
           <p:cNvPr id="8" name="CuadroTexto 7">
             <a:extLst>
               <a:ext uri="{FF2B5EF4-FFF2-40B4-BE49-F238E27FC236}">
-                <a16:creationId xmlns:a16="http://schemas.microsoft.com/office/drawing/2014/main" xmlns="" id="{9D153CC1-DF12-4572-B1C1-67EEA987A755}"/>
+                <a16:creationId xmlns:a16="http://schemas.microsoft.com/office/drawing/2014/main" id="{9D153CC1-DF12-4572-B1C1-67EEA987A755}"/>
               </a:ext>
             </a:extLst>
           </p:cNvPr>
@@ -8725,7 +8689,7 @@
           <p:cNvPr id="9" name="CuadroTexto 8">
             <a:extLst>
               <a:ext uri="{FF2B5EF4-FFF2-40B4-BE49-F238E27FC236}">
-                <a16:creationId xmlns:a16="http://schemas.microsoft.com/office/drawing/2014/main" xmlns="" id="{A5FE1BB6-7AFD-400C-AE15-65C00E85AE70}"/>
+                <a16:creationId xmlns:a16="http://schemas.microsoft.com/office/drawing/2014/main" id="{A5FE1BB6-7AFD-400C-AE15-65C00E85AE70}"/>
               </a:ext>
             </a:extLst>
           </p:cNvPr>
@@ -8770,7 +8734,7 @@
           <p:cNvPr id="10" name="Gráfico 9" descr="Camión">
             <a:extLst>
               <a:ext uri="{FF2B5EF4-FFF2-40B4-BE49-F238E27FC236}">
-                <a16:creationId xmlns:a16="http://schemas.microsoft.com/office/drawing/2014/main" xmlns="" id="{2BE82062-755F-43C3-A1E4-74679627FDFC}"/>
+                <a16:creationId xmlns:a16="http://schemas.microsoft.com/office/drawing/2014/main" id="{2BE82062-755F-43C3-A1E4-74679627FDFC}"/>
               </a:ext>
             </a:extLst>
           </p:cNvPr>
@@ -8780,13 +8744,13 @@
           <p:nvPr/>
         </p:nvPicPr>
         <p:blipFill>
-          <a:blip r:embed="rId2" cstate="print">
+          <a:blip r:embed="rId2">
             <a:extLst>
               <a:ext uri="{28A0092B-C50C-407E-A947-70E740481C1C}">
                 <a14:useLocalDpi xmlns:a14="http://schemas.microsoft.com/office/drawing/2010/main" val="0"/>
               </a:ext>
               <a:ext uri="{96DAC541-7B7A-43D3-8B79-37D633B846F1}">
-                <asvg:svgBlip xmlns:asvg="http://schemas.microsoft.com/office/drawing/2016/SVG/main" xmlns="" r:embed="rId3"/>
+                <asvg:svgBlip xmlns:asvg="http://schemas.microsoft.com/office/drawing/2016/SVG/main" r:embed="rId3"/>
               </a:ext>
             </a:extLst>
           </a:blip>
@@ -8839,7 +8803,7 @@
           <p:cNvPr id="4" name="CuadroTexto 3">
             <a:extLst>
               <a:ext uri="{FF2B5EF4-FFF2-40B4-BE49-F238E27FC236}">
-                <a16:creationId xmlns:a16="http://schemas.microsoft.com/office/drawing/2014/main" xmlns="" id="{8510C0CC-D7D6-4106-AB12-C9837142E1D6}"/>
+                <a16:creationId xmlns:a16="http://schemas.microsoft.com/office/drawing/2014/main" id="{8510C0CC-D7D6-4106-AB12-C9837142E1D6}"/>
               </a:ext>
             </a:extLst>
           </p:cNvPr>
@@ -8880,7 +8844,7 @@
           <p:cNvPr id="5" name="CuadroTexto 4">
             <a:extLst>
               <a:ext uri="{FF2B5EF4-FFF2-40B4-BE49-F238E27FC236}">
-                <a16:creationId xmlns:a16="http://schemas.microsoft.com/office/drawing/2014/main" xmlns="" id="{DFC8E9AB-F9FD-4861-BE62-41E4D3E6DF08}"/>
+                <a16:creationId xmlns:a16="http://schemas.microsoft.com/office/drawing/2014/main" id="{DFC8E9AB-F9FD-4861-BE62-41E4D3E6DF08}"/>
               </a:ext>
             </a:extLst>
           </p:cNvPr>
@@ -8917,7 +8881,7 @@
           <p:cNvPr id="6" name="CuadroTexto 5">
             <a:extLst>
               <a:ext uri="{FF2B5EF4-FFF2-40B4-BE49-F238E27FC236}">
-                <a16:creationId xmlns:a16="http://schemas.microsoft.com/office/drawing/2014/main" xmlns="" id="{C4C8875F-9427-4559-8261-8F117F9BCB3D}"/>
+                <a16:creationId xmlns:a16="http://schemas.microsoft.com/office/drawing/2014/main" id="{C4C8875F-9427-4559-8261-8F117F9BCB3D}"/>
               </a:ext>
             </a:extLst>
           </p:cNvPr>
@@ -8954,7 +8918,7 @@
           <p:cNvPr id="7" name="CuadroTexto 6">
             <a:extLst>
               <a:ext uri="{FF2B5EF4-FFF2-40B4-BE49-F238E27FC236}">
-                <a16:creationId xmlns:a16="http://schemas.microsoft.com/office/drawing/2014/main" xmlns="" id="{E084B6CB-AEBE-4605-A0A6-A20A6856DACC}"/>
+                <a16:creationId xmlns:a16="http://schemas.microsoft.com/office/drawing/2014/main" id="{E084B6CB-AEBE-4605-A0A6-A20A6856DACC}"/>
               </a:ext>
             </a:extLst>
           </p:cNvPr>
@@ -8991,7 +8955,7 @@
           <p:cNvPr id="8" name="CuadroTexto 7">
             <a:extLst>
               <a:ext uri="{FF2B5EF4-FFF2-40B4-BE49-F238E27FC236}">
-                <a16:creationId xmlns:a16="http://schemas.microsoft.com/office/drawing/2014/main" xmlns="" id="{8588DDCA-898A-4A26-A1DF-416583CD884E}"/>
+                <a16:creationId xmlns:a16="http://schemas.microsoft.com/office/drawing/2014/main" id="{8588DDCA-898A-4A26-A1DF-416583CD884E}"/>
               </a:ext>
             </a:extLst>
           </p:cNvPr>
@@ -9046,7 +9010,7 @@
           <p:cNvPr id="9" name="Picture 6" descr="Conjunto de iconos de envío y logística servicio de entrega. | Vector  Premium">
             <a:extLst>
               <a:ext uri="{FF2B5EF4-FFF2-40B4-BE49-F238E27FC236}">
-                <a16:creationId xmlns:a16="http://schemas.microsoft.com/office/drawing/2014/main" xmlns="" id="{643CCE74-4439-4433-8A91-A8D5341BDEFF}"/>
+                <a16:creationId xmlns:a16="http://schemas.microsoft.com/office/drawing/2014/main" id="{643CCE74-4439-4433-8A91-A8D5341BDEFF}"/>
               </a:ext>
             </a:extLst>
           </p:cNvPr>
@@ -9163,7 +9127,7 @@
           <p:cNvPr id="10" name="CuadroTexto 9">
             <a:extLst>
               <a:ext uri="{FF2B5EF4-FFF2-40B4-BE49-F238E27FC236}">
-                <a16:creationId xmlns:a16="http://schemas.microsoft.com/office/drawing/2014/main" xmlns="" id="{A19F8EDB-D53B-4482-A695-B43D201BFB02}"/>
+                <a16:creationId xmlns:a16="http://schemas.microsoft.com/office/drawing/2014/main" id="{A19F8EDB-D53B-4482-A695-B43D201BFB02}"/>
               </a:ext>
             </a:extLst>
           </p:cNvPr>
@@ -9204,7 +9168,7 @@
           <p:cNvPr id="11" name="CuadroTexto 10">
             <a:extLst>
               <a:ext uri="{FF2B5EF4-FFF2-40B4-BE49-F238E27FC236}">
-                <a16:creationId xmlns:a16="http://schemas.microsoft.com/office/drawing/2014/main" xmlns="" id="{4AF80862-1AD4-4A81-A866-E7344CDC0CF6}"/>
+                <a16:creationId xmlns:a16="http://schemas.microsoft.com/office/drawing/2014/main" id="{4AF80862-1AD4-4A81-A866-E7344CDC0CF6}"/>
               </a:ext>
             </a:extLst>
           </p:cNvPr>
@@ -9251,7 +9215,7 @@
           <p:cNvPr id="12" name="CuadroTexto 11">
             <a:extLst>
               <a:ext uri="{FF2B5EF4-FFF2-40B4-BE49-F238E27FC236}">
-                <a16:creationId xmlns:a16="http://schemas.microsoft.com/office/drawing/2014/main" xmlns="" id="{BCD61BC9-345C-44ED-A90C-0ABF9DF36047}"/>
+                <a16:creationId xmlns:a16="http://schemas.microsoft.com/office/drawing/2014/main" id="{BCD61BC9-345C-44ED-A90C-0ABF9DF36047}"/>
               </a:ext>
             </a:extLst>
           </p:cNvPr>
@@ -9292,7 +9256,7 @@
           <p:cNvPr id="13" name="Conector recto 12">
             <a:extLst>
               <a:ext uri="{FF2B5EF4-FFF2-40B4-BE49-F238E27FC236}">
-                <a16:creationId xmlns:a16="http://schemas.microsoft.com/office/drawing/2014/main" xmlns="" id="{8C89A37F-5962-40B7-81E8-DBF744A61FDB}"/>
+                <a16:creationId xmlns:a16="http://schemas.microsoft.com/office/drawing/2014/main" id="{8C89A37F-5962-40B7-81E8-DBF744A61FDB}"/>
               </a:ext>
             </a:extLst>
           </p:cNvPr>
@@ -9365,7 +9329,7 @@
           <p:cNvPr id="4" name="CuadroTexto 3">
             <a:extLst>
               <a:ext uri="{FF2B5EF4-FFF2-40B4-BE49-F238E27FC236}">
-                <a16:creationId xmlns:a16="http://schemas.microsoft.com/office/drawing/2014/main" xmlns="" id="{23C1ED53-AB63-4F76-AC7E-AE8CB690EFAB}"/>
+                <a16:creationId xmlns:a16="http://schemas.microsoft.com/office/drawing/2014/main" id="{23C1ED53-AB63-4F76-AC7E-AE8CB690EFAB}"/>
               </a:ext>
             </a:extLst>
           </p:cNvPr>
@@ -9402,7 +9366,7 @@
           <p:cNvPr id="5" name="CuadroTexto 4">
             <a:extLst>
               <a:ext uri="{FF2B5EF4-FFF2-40B4-BE49-F238E27FC236}">
-                <a16:creationId xmlns:a16="http://schemas.microsoft.com/office/drawing/2014/main" xmlns="" id="{650FD580-654E-4723-9CC4-BBDEA6841BF3}"/>
+                <a16:creationId xmlns:a16="http://schemas.microsoft.com/office/drawing/2014/main" id="{650FD580-654E-4723-9CC4-BBDEA6841BF3}"/>
               </a:ext>
             </a:extLst>
           </p:cNvPr>
@@ -9439,7 +9403,7 @@
           <p:cNvPr id="6" name="CuadroTexto 5">
             <a:extLst>
               <a:ext uri="{FF2B5EF4-FFF2-40B4-BE49-F238E27FC236}">
-                <a16:creationId xmlns:a16="http://schemas.microsoft.com/office/drawing/2014/main" xmlns="" id="{BED01AD3-4A78-49CF-B5E9-F05C4838E4FC}"/>
+                <a16:creationId xmlns:a16="http://schemas.microsoft.com/office/drawing/2014/main" id="{BED01AD3-4A78-49CF-B5E9-F05C4838E4FC}"/>
               </a:ext>
             </a:extLst>
           </p:cNvPr>
@@ -9476,7 +9440,7 @@
           <p:cNvPr id="7" name="CuadroTexto 6">
             <a:extLst>
               <a:ext uri="{FF2B5EF4-FFF2-40B4-BE49-F238E27FC236}">
-                <a16:creationId xmlns:a16="http://schemas.microsoft.com/office/drawing/2014/main" xmlns="" id="{1770FCD0-45F1-49E3-ADC0-B17CD40B22F6}"/>
+                <a16:creationId xmlns:a16="http://schemas.microsoft.com/office/drawing/2014/main" id="{1770FCD0-45F1-49E3-ADC0-B17CD40B22F6}"/>
               </a:ext>
             </a:extLst>
           </p:cNvPr>
@@ -9601,7 +9565,7 @@
           <p:cNvPr id="8" name="Picture 10" descr="Gráfico vectorial Camion pasajero ▷ Imagen vectorial Camion pasajero |  Depositphotos®">
             <a:extLst>
               <a:ext uri="{FF2B5EF4-FFF2-40B4-BE49-F238E27FC236}">
-                <a16:creationId xmlns:a16="http://schemas.microsoft.com/office/drawing/2014/main" xmlns="" id="{09E529C3-1CA8-40A8-9EBC-5138A5D93B80}"/>
+                <a16:creationId xmlns:a16="http://schemas.microsoft.com/office/drawing/2014/main" id="{09E529C3-1CA8-40A8-9EBC-5138A5D93B80}"/>
               </a:ext>
             </a:extLst>
           </p:cNvPr>
@@ -9658,7 +9622,7 @@
           <p:cNvPr id="9" name="Picture 14" descr="Gráfico vectorial Camion pasajero ▷ Imagen vectorial Camion pasajero |  Depositphotos®">
             <a:extLst>
               <a:ext uri="{FF2B5EF4-FFF2-40B4-BE49-F238E27FC236}">
-                <a16:creationId xmlns:a16="http://schemas.microsoft.com/office/drawing/2014/main" xmlns="" id="{B220B1D1-917F-4749-BE38-36701E8500B5}"/>
+                <a16:creationId xmlns:a16="http://schemas.microsoft.com/office/drawing/2014/main" id="{B220B1D1-917F-4749-BE38-36701E8500B5}"/>
               </a:ext>
             </a:extLst>
           </p:cNvPr>
@@ -9722,7 +9686,7 @@
           <p:cNvPr id="10" name="Picture 16" descr="Gráfico vectorial Camion pasajero ▷ Imagen vectorial Camion pasajero |  Depositphotos®">
             <a:extLst>
               <a:ext uri="{FF2B5EF4-FFF2-40B4-BE49-F238E27FC236}">
-                <a16:creationId xmlns:a16="http://schemas.microsoft.com/office/drawing/2014/main" xmlns="" id="{AFD9875D-27CC-4C38-AE92-CA6E4E4FCE7E}"/>
+                <a16:creationId xmlns:a16="http://schemas.microsoft.com/office/drawing/2014/main" id="{AFD9875D-27CC-4C38-AE92-CA6E4E4FCE7E}"/>
               </a:ext>
             </a:extLst>
           </p:cNvPr>
@@ -9783,7 +9747,7 @@
           <p:cNvPr id="11" name="CuadroTexto 10">
             <a:extLst>
               <a:ext uri="{FF2B5EF4-FFF2-40B4-BE49-F238E27FC236}">
-                <a16:creationId xmlns:a16="http://schemas.microsoft.com/office/drawing/2014/main" xmlns="" id="{FBE68F49-3C28-4C8C-A51F-B475EB007C6D}"/>
+                <a16:creationId xmlns:a16="http://schemas.microsoft.com/office/drawing/2014/main" id="{FBE68F49-3C28-4C8C-A51F-B475EB007C6D}"/>
               </a:ext>
             </a:extLst>
           </p:cNvPr>
@@ -9820,7 +9784,7 @@
           <p:cNvPr id="12" name="Conector recto 11">
             <a:extLst>
               <a:ext uri="{FF2B5EF4-FFF2-40B4-BE49-F238E27FC236}">
-                <a16:creationId xmlns:a16="http://schemas.microsoft.com/office/drawing/2014/main" xmlns="" id="{7EA550FE-8054-4E7F-BA23-79B94C260C62}"/>
+                <a16:creationId xmlns:a16="http://schemas.microsoft.com/office/drawing/2014/main" id="{7EA550FE-8054-4E7F-BA23-79B94C260C62}"/>
               </a:ext>
             </a:extLst>
           </p:cNvPr>
@@ -9863,7 +9827,7 @@
           <p:cNvPr id="13" name="Conector recto 12">
             <a:extLst>
               <a:ext uri="{FF2B5EF4-FFF2-40B4-BE49-F238E27FC236}">
-                <a16:creationId xmlns:a16="http://schemas.microsoft.com/office/drawing/2014/main" xmlns="" id="{85E8C5E7-6188-45C9-A781-C9593F74455E}"/>
+                <a16:creationId xmlns:a16="http://schemas.microsoft.com/office/drawing/2014/main" id="{85E8C5E7-6188-45C9-A781-C9593F74455E}"/>
               </a:ext>
             </a:extLst>
           </p:cNvPr>
@@ -9904,7 +9868,7 @@
           <p:cNvPr id="14" name="CuadroTexto 13">
             <a:extLst>
               <a:ext uri="{FF2B5EF4-FFF2-40B4-BE49-F238E27FC236}">
-                <a16:creationId xmlns:a16="http://schemas.microsoft.com/office/drawing/2014/main" xmlns="" id="{20251577-4ADF-439B-9740-101C517A9917}"/>
+                <a16:creationId xmlns:a16="http://schemas.microsoft.com/office/drawing/2014/main" id="{20251577-4ADF-439B-9740-101C517A9917}"/>
               </a:ext>
             </a:extLst>
           </p:cNvPr>
@@ -9971,7 +9935,7 @@
           <p:cNvPr id="2" name="CuadroTexto 1">
             <a:extLst>
               <a:ext uri="{FF2B5EF4-FFF2-40B4-BE49-F238E27FC236}">
-                <a16:creationId xmlns:a16="http://schemas.microsoft.com/office/drawing/2014/main" xmlns="" id="{D4A04319-AC0B-4B70-B201-A310AD0E0BC0}"/>
+                <a16:creationId xmlns:a16="http://schemas.microsoft.com/office/drawing/2014/main" id="{D4A04319-AC0B-4B70-B201-A310AD0E0BC0}"/>
               </a:ext>
             </a:extLst>
           </p:cNvPr>
@@ -10005,14 +9969,20 @@
       </p:sp>
       <p:sp>
         <p:nvSpPr>
-          <p:cNvPr id="3" name="CuadroTexto 2"/>
+          <p:cNvPr id="6" name="CuadroTexto 5">
+            <a:extLst>
+              <a:ext uri="{FF2B5EF4-FFF2-40B4-BE49-F238E27FC236}">
+                <a16:creationId xmlns:a16="http://schemas.microsoft.com/office/drawing/2014/main" id="{2902940A-8CEA-4A17-ABCD-513E0B24273C}"/>
+              </a:ext>
+            </a:extLst>
+          </p:cNvPr>
           <p:cNvSpPr txBox="1"/>
           <p:nvPr/>
         </p:nvSpPr>
         <p:spPr>
           <a:xfrm>
-            <a:off x="4833984" y="1688948"/>
-            <a:ext cx="2267340" cy="400110"/>
+            <a:off x="892020" y="1917725"/>
+            <a:ext cx="4797288" cy="646331"/>
           </a:xfrm>
           <a:prstGeom prst="rect">
             <a:avLst/>
@@ -10025,25 +9995,65 @@
           </a:bodyPr>
           <a:lstStyle/>
           <a:p>
-            <a:pPr algn="ctr"/>
-            <a:r>
-              <a:rPr lang="es-MX" sz="2000" dirty="0" smtClean="0"/>
-              <a:t>Sitio Web: </a:t>
-            </a:r>
-            <a:endParaRPr lang="es-MX" sz="2000" dirty="0"/>
-          </a:p>
-        </p:txBody>
-      </p:sp>
-      <p:sp>
-        <p:nvSpPr>
-          <p:cNvPr id="21" name="CuadroTexto 20"/>
+            <a:pPr algn="ctr" fontAlgn="base"/>
+            <a:r>
+              <a:rPr lang="es-MX" b="0" i="0" dirty="0">
+                <a:effectLst/>
+                <a:latin typeface="Open Sans"/>
+              </a:rPr>
+              <a:t>José Ma. Mata #18, Constituyentes de 1857 54190 Tlalnepantla de Baz, Méx.</a:t>
+            </a:r>
+            <a:endParaRPr lang="es-MX" dirty="0">
+              <a:latin typeface="Open Sans"/>
+            </a:endParaRPr>
+          </a:p>
+        </p:txBody>
+      </p:sp>
+      <p:pic>
+        <p:nvPicPr>
+          <p:cNvPr id="8" name="Imagen 7">
+            <a:extLst>
+              <a:ext uri="{FF2B5EF4-FFF2-40B4-BE49-F238E27FC236}">
+                <a16:creationId xmlns:a16="http://schemas.microsoft.com/office/drawing/2014/main" id="{9FB4360E-04E7-40E9-803A-785482FDF62E}"/>
+              </a:ext>
+            </a:extLst>
+          </p:cNvPr>
+          <p:cNvPicPr>
+            <a:picLocks noChangeAspect="1"/>
+          </p:cNvPicPr>
+          <p:nvPr/>
+        </p:nvPicPr>
+        <p:blipFill rotWithShape="1">
+          <a:blip r:embed="rId2"/>
+          <a:srcRect l="33478" t="24915" r="16630" b="22305"/>
+          <a:stretch/>
+        </p:blipFill>
+        <p:spPr>
+          <a:xfrm>
+            <a:off x="263282" y="2627395"/>
+            <a:ext cx="5676598" cy="3376278"/>
+          </a:xfrm>
+          <a:prstGeom prst="rect">
+            <a:avLst/>
+          </a:prstGeom>
+        </p:spPr>
+      </p:pic>
+      <p:sp>
+        <p:nvSpPr>
+          <p:cNvPr id="9" name="CuadroTexto 8">
+            <a:extLst>
+              <a:ext uri="{FF2B5EF4-FFF2-40B4-BE49-F238E27FC236}">
+                <a16:creationId xmlns:a16="http://schemas.microsoft.com/office/drawing/2014/main" id="{E97C59A0-4849-4E8B-A65D-6B035E8657F3}"/>
+              </a:ext>
+            </a:extLst>
+          </p:cNvPr>
           <p:cNvSpPr txBox="1"/>
           <p:nvPr/>
         </p:nvSpPr>
         <p:spPr>
           <a:xfrm>
-            <a:off x="2821396" y="2353337"/>
-            <a:ext cx="6292516" cy="707886"/>
+            <a:off x="595173" y="1548393"/>
+            <a:ext cx="2703443" cy="369332"/>
           </a:xfrm>
           <a:prstGeom prst="rect">
             <a:avLst/>
@@ -10056,43 +10066,70 @@
           </a:bodyPr>
           <a:lstStyle/>
           <a:p>
-            <a:pPr algn="ctr"/>
-            <a:r>
-              <a:rPr lang="es-MX" sz="3600" dirty="0" smtClean="0">
-                <a:latin typeface="Social Icon by BRIANQC" panose="02000500000000000000" pitchFamily="2" charset="0"/>
+            <a:r>
+              <a:rPr lang="es-MX" dirty="0">
+                <a:latin typeface="Open Sans"/>
               </a:rPr>
-              <a:t>I</a:t>
-            </a:r>
-            <a:r>
-              <a:rPr lang="es-MX" sz="4000" dirty="0" smtClean="0">
-                <a:latin typeface="Social Icon by BRIANQC" panose="02000500000000000000" pitchFamily="2" charset="0"/>
-              </a:rPr>
-              <a:t> </a:t>
-            </a:r>
-            <a:r>
-              <a:rPr lang="es-MX" sz="2400" dirty="0" smtClean="0">
-                <a:latin typeface="Open Sans" panose="020B0606030504020204" pitchFamily="34" charset="0"/>
-                <a:ea typeface="Open Sans" panose="020B0606030504020204" pitchFamily="34" charset="0"/>
-                <a:cs typeface="Open Sans" panose="020B0606030504020204" pitchFamily="34" charset="0"/>
-              </a:rPr>
-              <a:t>www.logisticaga.com.mx</a:t>
-            </a:r>
-            <a:endParaRPr lang="es-MX" sz="2400" dirty="0">
-              <a:latin typeface="Social Icon by BRIANQC" panose="02000500000000000000" pitchFamily="2" charset="0"/>
-            </a:endParaRPr>
-          </a:p>
-        </p:txBody>
-      </p:sp>
-      <p:sp>
-        <p:nvSpPr>
-          <p:cNvPr id="23" name="CuadroTexto 22"/>
+              <a:t>Nos ubicamos en </a:t>
+            </a:r>
+          </a:p>
+        </p:txBody>
+      </p:sp>
+      <p:pic>
+        <p:nvPicPr>
+          <p:cNvPr id="11" name="Gráfico 10" descr="Marcador">
+            <a:extLst>
+              <a:ext uri="{FF2B5EF4-FFF2-40B4-BE49-F238E27FC236}">
+                <a16:creationId xmlns:a16="http://schemas.microsoft.com/office/drawing/2014/main" id="{028AD20A-C6B6-496F-8810-C034EEB49E8D}"/>
+              </a:ext>
+            </a:extLst>
+          </p:cNvPr>
+          <p:cNvPicPr>
+            <a:picLocks noChangeAspect="1"/>
+          </p:cNvPicPr>
+          <p:nvPr/>
+        </p:nvPicPr>
+        <p:blipFill>
+          <a:blip r:embed="rId3">
+            <a:extLst>
+              <a:ext uri="{28A0092B-C50C-407E-A947-70E740481C1C}">
+                <a14:useLocalDpi xmlns:a14="http://schemas.microsoft.com/office/drawing/2010/main" val="0"/>
+              </a:ext>
+              <a:ext uri="{96DAC541-7B7A-43D3-8B79-37D633B846F1}">
+                <asvg:svgBlip xmlns:asvg="http://schemas.microsoft.com/office/drawing/2016/SVG/main" r:embed="rId4"/>
+              </a:ext>
+            </a:extLst>
+          </a:blip>
+          <a:stretch>
+            <a:fillRect/>
+          </a:stretch>
+        </p:blipFill>
+        <p:spPr>
+          <a:xfrm>
+            <a:off x="96187" y="1529190"/>
+            <a:ext cx="658692" cy="658692"/>
+          </a:xfrm>
+          <a:prstGeom prst="rect">
+            <a:avLst/>
+          </a:prstGeom>
+        </p:spPr>
+      </p:pic>
+      <p:sp>
+        <p:nvSpPr>
+          <p:cNvPr id="12" name="CuadroTexto 11">
+            <a:extLst>
+              <a:ext uri="{FF2B5EF4-FFF2-40B4-BE49-F238E27FC236}">
+                <a16:creationId xmlns:a16="http://schemas.microsoft.com/office/drawing/2014/main" id="{7844CFAA-51BA-426D-80BD-CCBFE4A3C237}"/>
+              </a:ext>
+            </a:extLst>
+          </p:cNvPr>
           <p:cNvSpPr txBox="1"/>
           <p:nvPr/>
         </p:nvSpPr>
         <p:spPr>
           <a:xfrm>
-            <a:off x="4944975" y="3299300"/>
-            <a:ext cx="2267340" cy="400110"/>
+            <a:off x="7015815" y="1778858"/>
+            <a:ext cx="3241368" cy="400110"/>
           </a:xfrm>
           <a:prstGeom prst="rect">
             <a:avLst/>
@@ -10105,262 +10142,174 @@
           </a:bodyPr>
           <a:lstStyle/>
           <a:p>
-            <a:pPr algn="ctr"/>
-            <a:r>
-              <a:rPr lang="es-MX" sz="2000" dirty="0" smtClean="0"/>
-              <a:t>Redes Sociales:</a:t>
-            </a:r>
-            <a:endParaRPr lang="es-MX" sz="2000" dirty="0"/>
-          </a:p>
-        </p:txBody>
-      </p:sp>
-      <p:sp>
-        <p:nvSpPr>
-          <p:cNvPr id="25" name="CuadroTexto 24"/>
-          <p:cNvSpPr txBox="1"/>
+            <a:r>
+              <a:rPr lang="es-MX" sz="2000" b="1" i="0" u="none" strike="noStrike" dirty="0">
+                <a:solidFill>
+                  <a:srgbClr val="FFFFFF"/>
+                </a:solidFill>
+                <a:effectLst/>
+                <a:latin typeface="Open Sans"/>
+              </a:rPr>
+              <a:t>NANCY ESTRADA LUNA</a:t>
+            </a:r>
+            <a:endParaRPr lang="es-MX" sz="2000" b="1" dirty="0">
+              <a:latin typeface="Open Sans"/>
+            </a:endParaRPr>
+          </a:p>
+        </p:txBody>
+      </p:sp>
+      <p:pic>
+        <p:nvPicPr>
+          <p:cNvPr id="1025" name="Picture 1">
+            <a:extLst>
+              <a:ext uri="{FF2B5EF4-FFF2-40B4-BE49-F238E27FC236}">
+                <a16:creationId xmlns:a16="http://schemas.microsoft.com/office/drawing/2014/main" id="{2DF79368-48A6-4875-9AEA-685D1983BD8B}"/>
+              </a:ext>
+            </a:extLst>
+          </p:cNvPr>
+          <p:cNvPicPr>
+            <a:picLocks noChangeAspect="1" noChangeArrowheads="1"/>
+          </p:cNvPicPr>
           <p:nvPr/>
-        </p:nvSpPr>
-        <p:spPr>
-          <a:xfrm>
-            <a:off x="830175" y="3841231"/>
-            <a:ext cx="10539662" cy="646331"/>
+        </p:nvPicPr>
+        <p:blipFill>
+          <a:blip r:embed="rId5">
+            <a:biLevel thresh="25000"/>
+            <a:extLst>
+              <a:ext uri="{BEBA8EAE-BF5A-486C-A8C5-ECC9F3942E4B}">
+                <a14:imgProps xmlns:a14="http://schemas.microsoft.com/office/drawing/2010/main">
+                  <a14:imgLayer r:embed="rId6">
+                    <a14:imgEffect>
+                      <a14:backgroundRemoval t="4167" b="96615" l="4167" r="96615">
+                        <a14:foregroundMark x1="20833" y1="20833" x2="20833" y2="20833"/>
+                        <a14:foregroundMark x1="86719" y1="80208" x2="86719" y2="80208"/>
+                        <a14:foregroundMark x1="90885" y1="86719" x2="61198" y2="85677"/>
+                        <a14:foregroundMark x1="61198" y1="85677" x2="53906" y2="81771"/>
+                        <a14:foregroundMark x1="74479" y1="77604" x2="95833" y2="82552"/>
+                        <a14:foregroundMark x1="25000" y1="32292" x2="12760" y2="39844"/>
+                        <a14:foregroundMark x1="5990" y1="29948" x2="18490" y2="7813"/>
+                        <a14:foregroundMark x1="4427" y1="6771" x2="23438" y2="4427"/>
+                        <a14:foregroundMark x1="69531" y1="92448" x2="94271" y2="87500"/>
+                        <a14:foregroundMark x1="79427" y1="96615" x2="96615" y2="90885"/>
+                      </a14:backgroundRemoval>
+                    </a14:imgEffect>
+                  </a14:imgLayer>
+                </a14:imgProps>
+              </a:ext>
+              <a:ext uri="{28A0092B-C50C-407E-A947-70E740481C1C}">
+                <a14:useLocalDpi xmlns:a14="http://schemas.microsoft.com/office/drawing/2010/main" val="0"/>
+              </a:ext>
+            </a:extLst>
+          </a:blip>
+          <a:srcRect/>
+          <a:stretch>
+            <a:fillRect/>
+          </a:stretch>
+        </p:blipFill>
+        <p:spPr bwMode="auto">
+          <a:xfrm>
+            <a:off x="7095240" y="4071058"/>
+            <a:ext cx="256795" cy="256795"/>
           </a:xfrm>
           <a:prstGeom prst="rect">
             <a:avLst/>
           </a:prstGeom>
           <a:noFill/>
-        </p:spPr>
-        <p:txBody>
-          <a:bodyPr wrap="square" rtlCol="0">
-            <a:spAutoFit/>
-          </a:bodyPr>
-          <a:lstStyle/>
-          <a:p>
-            <a:r>
-              <a:rPr lang="es-MX" sz="2800" dirty="0">
-                <a:latin typeface="Type Icons" panose="02000500000000000000" pitchFamily="2" charset="0"/>
-              </a:rPr>
-              <a:t>f</a:t>
-            </a:r>
-            <a:r>
-              <a:rPr lang="es-MX" sz="3600" dirty="0" smtClean="0">
-                <a:latin typeface="Social Icon by BRIANQC" panose="02000500000000000000" pitchFamily="2" charset="0"/>
-              </a:rPr>
-              <a:t> </a:t>
-            </a:r>
-            <a:r>
-              <a:rPr lang="es-MX" sz="2000" dirty="0" smtClean="0">
-                <a:latin typeface="Open Sans" panose="020B0606030504020204" pitchFamily="34" charset="0"/>
-                <a:ea typeface="Open Sans" panose="020B0606030504020204" pitchFamily="34" charset="0"/>
-                <a:cs typeface="Open Sans" panose="020B0606030504020204" pitchFamily="34" charset="0"/>
-              </a:rPr>
-              <a:t>/</a:t>
-            </a:r>
-            <a:r>
-              <a:rPr lang="es-MX" sz="2000" dirty="0" err="1" smtClean="0">
-                <a:latin typeface="Open Sans" panose="020B0606030504020204" pitchFamily="34" charset="0"/>
-                <a:ea typeface="Open Sans" panose="020B0606030504020204" pitchFamily="34" charset="0"/>
-                <a:cs typeface="Open Sans" panose="020B0606030504020204" pitchFamily="34" charset="0"/>
-              </a:rPr>
-              <a:t>LogistiqueGA</a:t>
-            </a:r>
-            <a:r>
-              <a:rPr lang="es-MX" sz="2000" dirty="0">
-                <a:latin typeface="Open Sans" panose="020B0606030504020204" pitchFamily="34" charset="0"/>
-                <a:ea typeface="Open Sans" panose="020B0606030504020204" pitchFamily="34" charset="0"/>
-                <a:cs typeface="Open Sans" panose="020B0606030504020204" pitchFamily="34" charset="0"/>
-              </a:rPr>
-              <a:t>	</a:t>
-            </a:r>
-            <a:r>
-              <a:rPr lang="es-MX" sz="2000" dirty="0" smtClean="0">
-                <a:latin typeface="Open Sans" panose="020B0606030504020204" pitchFamily="34" charset="0"/>
-                <a:ea typeface="Open Sans" panose="020B0606030504020204" pitchFamily="34" charset="0"/>
-                <a:cs typeface="Open Sans" panose="020B0606030504020204" pitchFamily="34" charset="0"/>
-              </a:rPr>
-              <a:t>	</a:t>
-            </a:r>
-            <a:r>
-              <a:rPr lang="es-MX" sz="2800" dirty="0" smtClean="0">
-                <a:latin typeface="Type Icons" panose="02000500000000000000" pitchFamily="2" charset="0"/>
-                <a:ea typeface="Open Sans" panose="020B0606030504020204" pitchFamily="34" charset="0"/>
-                <a:cs typeface="Open Sans" panose="020B0606030504020204" pitchFamily="34" charset="0"/>
-              </a:rPr>
-              <a:t>i</a:t>
-            </a:r>
-            <a:r>
-              <a:rPr lang="es-MX" sz="2800" dirty="0" smtClean="0">
-                <a:latin typeface="Social Icon by BRIANQC" panose="02000500000000000000" pitchFamily="2" charset="0"/>
-                <a:ea typeface="Open Sans" panose="020B0606030504020204" pitchFamily="34" charset="0"/>
-                <a:cs typeface="Open Sans" panose="020B0606030504020204" pitchFamily="34" charset="0"/>
-              </a:rPr>
-              <a:t> </a:t>
-            </a:r>
-            <a:r>
-              <a:rPr lang="es-MX" sz="2000" dirty="0" smtClean="0">
-                <a:latin typeface="Social Icon by BRIANQC" panose="02000500000000000000" pitchFamily="2" charset="0"/>
-                <a:ea typeface="Open Sans" panose="020B0606030504020204" pitchFamily="34" charset="0"/>
-                <a:cs typeface="Open Sans" panose="020B0606030504020204" pitchFamily="34" charset="0"/>
-              </a:rPr>
-              <a:t>/</a:t>
-            </a:r>
-            <a:r>
-              <a:rPr lang="es-MX" sz="2000" dirty="0" err="1" smtClean="0">
-                <a:latin typeface="Open Sans" panose="020B0606030504020204" pitchFamily="34" charset="0"/>
-                <a:ea typeface="Open Sans" panose="020B0606030504020204" pitchFamily="34" charset="0"/>
-                <a:cs typeface="Open Sans" panose="020B0606030504020204" pitchFamily="34" charset="0"/>
-              </a:rPr>
-              <a:t>Logistica</a:t>
-            </a:r>
-            <a:r>
-              <a:rPr lang="es-MX" sz="2000" dirty="0" smtClean="0">
-                <a:latin typeface="Open Sans" panose="020B0606030504020204" pitchFamily="34" charset="0"/>
-                <a:ea typeface="Open Sans" panose="020B0606030504020204" pitchFamily="34" charset="0"/>
-                <a:cs typeface="Open Sans" panose="020B0606030504020204" pitchFamily="34" charset="0"/>
-              </a:rPr>
-              <a:t> GA		</a:t>
-            </a:r>
-            <a:r>
-              <a:rPr lang="es-MX" sz="2800" dirty="0" smtClean="0">
-                <a:latin typeface="Type Icons" panose="02000500000000000000" pitchFamily="2" charset="0"/>
-                <a:ea typeface="Open Sans" panose="020B0606030504020204" pitchFamily="34" charset="0"/>
-                <a:cs typeface="Open Sans" panose="020B0606030504020204" pitchFamily="34" charset="0"/>
-              </a:rPr>
-              <a:t>c </a:t>
-            </a:r>
-            <a:r>
-              <a:rPr lang="es-MX" sz="2000" dirty="0" smtClean="0">
-                <a:latin typeface="Type Icons" panose="02000500000000000000" pitchFamily="2" charset="0"/>
-                <a:ea typeface="Open Sans" panose="020B0606030504020204" pitchFamily="34" charset="0"/>
-                <a:cs typeface="Open Sans" panose="020B0606030504020204" pitchFamily="34" charset="0"/>
-              </a:rPr>
-              <a:t> </a:t>
-            </a:r>
-            <a:r>
-              <a:rPr lang="es-MX" sz="2000" dirty="0" smtClean="0">
-                <a:latin typeface="Open Sans" panose="020B0606030504020204" pitchFamily="34" charset="0"/>
-                <a:ea typeface="Open Sans" panose="020B0606030504020204" pitchFamily="34" charset="0"/>
-                <a:cs typeface="Open Sans" panose="020B0606030504020204" pitchFamily="34" charset="0"/>
-              </a:rPr>
-              <a:t>/</a:t>
-            </a:r>
-            <a:r>
-              <a:rPr lang="es-MX" sz="2000" dirty="0" err="1" smtClean="0">
-                <a:latin typeface="Open Sans" panose="020B0606030504020204" pitchFamily="34" charset="0"/>
-                <a:ea typeface="Open Sans" panose="020B0606030504020204" pitchFamily="34" charset="0"/>
-                <a:cs typeface="Open Sans" panose="020B0606030504020204" pitchFamily="34" charset="0"/>
-              </a:rPr>
-              <a:t>LogistiqueGA</a:t>
-            </a:r>
-            <a:r>
-              <a:rPr lang="es-MX" sz="2000" dirty="0" smtClean="0">
-                <a:latin typeface="Type Icons" panose="02000500000000000000" pitchFamily="2" charset="0"/>
-                <a:ea typeface="Open Sans" panose="020B0606030504020204" pitchFamily="34" charset="0"/>
-                <a:cs typeface="Open Sans" panose="020B0606030504020204" pitchFamily="34" charset="0"/>
-              </a:rPr>
-              <a:t> 		</a:t>
-            </a:r>
-            <a:r>
-              <a:rPr lang="es-MX" sz="3200" dirty="0" smtClean="0">
-                <a:latin typeface="Type Icons" panose="02000500000000000000" pitchFamily="2" charset="0"/>
-                <a:ea typeface="Open Sans" panose="020B0606030504020204" pitchFamily="34" charset="0"/>
-                <a:cs typeface="Open Sans" panose="020B0606030504020204" pitchFamily="34" charset="0"/>
-              </a:rPr>
-              <a:t>y  </a:t>
-            </a:r>
-            <a:r>
-              <a:rPr lang="es-MX" sz="2000" dirty="0" err="1" smtClean="0">
-                <a:latin typeface="Open Sans" panose="020B0606030504020204" pitchFamily="34" charset="0"/>
-                <a:ea typeface="Open Sans" panose="020B0606030504020204" pitchFamily="34" charset="0"/>
-                <a:cs typeface="Open Sans" panose="020B0606030504020204" pitchFamily="34" charset="0"/>
-              </a:rPr>
-              <a:t>Logistica</a:t>
-            </a:r>
-            <a:r>
-              <a:rPr lang="es-MX" sz="2000" dirty="0" smtClean="0">
-                <a:latin typeface="Open Sans" panose="020B0606030504020204" pitchFamily="34" charset="0"/>
-                <a:ea typeface="Open Sans" panose="020B0606030504020204" pitchFamily="34" charset="0"/>
-                <a:cs typeface="Open Sans" panose="020B0606030504020204" pitchFamily="34" charset="0"/>
-              </a:rPr>
-              <a:t> GA</a:t>
-            </a:r>
-            <a:endParaRPr lang="es-MX" sz="1600" dirty="0">
-              <a:latin typeface="Social Icon by BRIANQC" panose="02000500000000000000" pitchFamily="2" charset="0"/>
-            </a:endParaRPr>
-          </a:p>
-        </p:txBody>
-      </p:sp>
-      <p:sp>
-        <p:nvSpPr>
-          <p:cNvPr id="26" name="CuadroTexto 25"/>
-          <p:cNvSpPr txBox="1"/>
+          <a:extLst>
+            <a:ext uri="{909E8E84-426E-40DD-AFC4-6F175D3DCCD1}">
+              <a14:hiddenFill xmlns:a14="http://schemas.microsoft.com/office/drawing/2010/main">
+                <a:solidFill>
+                  <a:srgbClr val="FFFFFF"/>
+                </a:solidFill>
+              </a14:hiddenFill>
+            </a:ext>
+          </a:extLst>
+        </p:spPr>
+      </p:pic>
+      <p:pic>
+        <p:nvPicPr>
+          <p:cNvPr id="18" name="Picture 1">
+            <a:extLst>
+              <a:ext uri="{FF2B5EF4-FFF2-40B4-BE49-F238E27FC236}">
+                <a16:creationId xmlns:a16="http://schemas.microsoft.com/office/drawing/2014/main" id="{3C34B446-9D8C-4B7F-9A77-C45B2B35C372}"/>
+              </a:ext>
+            </a:extLst>
+          </p:cNvPr>
+          <p:cNvPicPr>
+            <a:picLocks noChangeAspect="1" noChangeArrowheads="1"/>
+          </p:cNvPicPr>
           <p:nvPr/>
-        </p:nvSpPr>
-        <p:spPr>
-          <a:xfrm>
-            <a:off x="493882" y="5246297"/>
-            <a:ext cx="3632945" cy="1077218"/>
+        </p:nvPicPr>
+        <p:blipFill>
+          <a:blip r:embed="rId5">
+            <a:biLevel thresh="25000"/>
+            <a:extLst>
+              <a:ext uri="{BEBA8EAE-BF5A-486C-A8C5-ECC9F3942E4B}">
+                <a14:imgProps xmlns:a14="http://schemas.microsoft.com/office/drawing/2010/main">
+                  <a14:imgLayer r:embed="rId6">
+                    <a14:imgEffect>
+                      <a14:backgroundRemoval t="4167" b="96615" l="4167" r="96615">
+                        <a14:foregroundMark x1="20833" y1="20833" x2="20833" y2="20833"/>
+                        <a14:foregroundMark x1="86719" y1="80208" x2="86719" y2="80208"/>
+                        <a14:foregroundMark x1="90885" y1="86719" x2="61198" y2="85677"/>
+                        <a14:foregroundMark x1="61198" y1="85677" x2="53906" y2="81771"/>
+                        <a14:foregroundMark x1="74479" y1="77604" x2="95833" y2="82552"/>
+                        <a14:foregroundMark x1="25000" y1="32292" x2="12760" y2="39844"/>
+                        <a14:foregroundMark x1="5990" y1="29948" x2="18490" y2="7813"/>
+                        <a14:foregroundMark x1="4427" y1="6771" x2="23438" y2="4427"/>
+                        <a14:foregroundMark x1="69531" y1="92448" x2="94271" y2="87500"/>
+                        <a14:foregroundMark x1="79427" y1="96615" x2="96615" y2="90885"/>
+                      </a14:backgroundRemoval>
+                    </a14:imgEffect>
+                  </a14:imgLayer>
+                </a14:imgProps>
+              </a:ext>
+              <a:ext uri="{28A0092B-C50C-407E-A947-70E740481C1C}">
+                <a14:useLocalDpi xmlns:a14="http://schemas.microsoft.com/office/drawing/2010/main" val="0"/>
+              </a:ext>
+            </a:extLst>
+          </a:blip>
+          <a:srcRect/>
+          <a:stretch>
+            <a:fillRect/>
+          </a:stretch>
+        </p:blipFill>
+        <p:spPr bwMode="auto">
+          <a:xfrm>
+            <a:off x="7131974" y="2564056"/>
+            <a:ext cx="252199" cy="252199"/>
           </a:xfrm>
           <a:prstGeom prst="rect">
             <a:avLst/>
           </a:prstGeom>
           <a:noFill/>
-        </p:spPr>
-        <p:txBody>
-          <a:bodyPr wrap="square" rtlCol="0">
-            <a:spAutoFit/>
-          </a:bodyPr>
-          <a:lstStyle/>
-          <a:p>
-            <a:pPr algn="ctr"/>
-            <a:r>
-              <a:rPr lang="es-MX" sz="1600" dirty="0" smtClean="0"/>
-              <a:t>Daniel Galicia</a:t>
-            </a:r>
-          </a:p>
-          <a:p>
-            <a:pPr algn="ctr"/>
-            <a:r>
-              <a:rPr lang="es-MX" sz="1600" dirty="0" smtClean="0"/>
-              <a:t>Director General</a:t>
-            </a:r>
-          </a:p>
-          <a:p>
-            <a:pPr algn="ctr"/>
-            <a:r>
-              <a:rPr lang="es-MX" sz="1600" dirty="0" smtClean="0">
-                <a:solidFill>
-                  <a:srgbClr val="00B050"/>
-                </a:solidFill>
-                <a:latin typeface="Type Icons" panose="02000500000000000000" pitchFamily="2" charset="0"/>
-              </a:rPr>
-              <a:t>n</a:t>
-            </a:r>
-            <a:r>
-              <a:rPr lang="es-MX" sz="1600" dirty="0" smtClean="0"/>
-              <a:t>5551803713</a:t>
-            </a:r>
-          </a:p>
-          <a:p>
-            <a:pPr algn="ctr"/>
-            <a:r>
-              <a:rPr lang="es-MX" sz="1600" dirty="0" smtClean="0"/>
-              <a:t>danielgalicia@logisticaga.com.mx</a:t>
-            </a:r>
-            <a:endParaRPr lang="es-MX" sz="1600" dirty="0"/>
-          </a:p>
-        </p:txBody>
-      </p:sp>
-      <p:sp>
-        <p:nvSpPr>
-          <p:cNvPr id="28" name="CuadroTexto 27"/>
+          <a:extLst>
+            <a:ext uri="{909E8E84-426E-40DD-AFC4-6F175D3DCCD1}">
+              <a14:hiddenFill xmlns:a14="http://schemas.microsoft.com/office/drawing/2010/main">
+                <a:solidFill>
+                  <a:srgbClr val="FFFFFF"/>
+                </a:solidFill>
+              </a14:hiddenFill>
+            </a:ext>
+          </a:extLst>
+        </p:spPr>
+      </p:pic>
+      <p:sp>
+        <p:nvSpPr>
+          <p:cNvPr id="20" name="CuadroTexto 19">
+            <a:extLst>
+              <a:ext uri="{FF2B5EF4-FFF2-40B4-BE49-F238E27FC236}">
+                <a16:creationId xmlns:a16="http://schemas.microsoft.com/office/drawing/2014/main" id="{46F7D378-0252-43B8-8950-26D3EE39F44F}"/>
+              </a:ext>
+            </a:extLst>
+          </p:cNvPr>
           <p:cNvSpPr txBox="1"/>
           <p:nvPr/>
         </p:nvSpPr>
         <p:spPr>
           <a:xfrm>
-            <a:off x="4186984" y="5258329"/>
-            <a:ext cx="3814002" cy="1077218"/>
+            <a:off x="7439795" y="3991002"/>
+            <a:ext cx="1684103" cy="369332"/>
           </a:xfrm>
           <a:prstGeom prst="rect">
             <a:avLst/>
@@ -10368,60 +10317,36 @@
           <a:noFill/>
         </p:spPr>
         <p:txBody>
-          <a:bodyPr wrap="square" rtlCol="0">
+          <a:bodyPr wrap="square">
             <a:spAutoFit/>
           </a:bodyPr>
           <a:lstStyle/>
           <a:p>
-            <a:pPr algn="ctr"/>
-            <a:r>
-              <a:rPr lang="es-MX" sz="1600" dirty="0" smtClean="0"/>
-              <a:t>Nancy Estrada</a:t>
-            </a:r>
-          </a:p>
-          <a:p>
-            <a:pPr algn="ctr"/>
-            <a:r>
-              <a:rPr lang="es-MX" sz="1600" dirty="0" smtClean="0"/>
-              <a:t>Administrador</a:t>
-            </a:r>
-          </a:p>
-          <a:p>
-            <a:pPr algn="ctr"/>
-            <a:r>
-              <a:rPr lang="es-MX" sz="1600" dirty="0" smtClean="0">
-                <a:solidFill>
-                  <a:srgbClr val="00B050"/>
-                </a:solidFill>
-                <a:latin typeface="Type Icons" panose="02000500000000000000" pitchFamily="2" charset="0"/>
+            <a:r>
+              <a:rPr lang="es-MX" dirty="0">
+                <a:latin typeface="Open Sans"/>
               </a:rPr>
-              <a:t>n</a:t>
-            </a:r>
-            <a:r>
-              <a:rPr lang="es-MX" sz="1600" dirty="0" smtClean="0"/>
-              <a:t>5551803713</a:t>
-            </a:r>
-          </a:p>
-          <a:p>
-            <a:pPr algn="ctr"/>
-            <a:r>
-              <a:rPr lang="es-MX" sz="1600" dirty="0" smtClean="0"/>
-              <a:t>nancyestrada@logisticaga.com.mx</a:t>
-            </a:r>
-            <a:endParaRPr lang="es-MX" sz="1600" dirty="0"/>
-          </a:p>
-        </p:txBody>
-      </p:sp>
-      <p:sp>
-        <p:nvSpPr>
-          <p:cNvPr id="29" name="CuadroTexto 28"/>
+              <a:t>55 4213 8505</a:t>
+            </a:r>
+          </a:p>
+        </p:txBody>
+      </p:sp>
+      <p:sp>
+        <p:nvSpPr>
+          <p:cNvPr id="19" name="CuadroTexto 18">
+            <a:extLst>
+              <a:ext uri="{FF2B5EF4-FFF2-40B4-BE49-F238E27FC236}">
+                <a16:creationId xmlns:a16="http://schemas.microsoft.com/office/drawing/2014/main" id="{578B41D1-F2D3-4071-9783-506572FF6A8B}"/>
+              </a:ext>
+            </a:extLst>
+          </p:cNvPr>
           <p:cNvSpPr txBox="1"/>
           <p:nvPr/>
         </p:nvSpPr>
         <p:spPr>
           <a:xfrm>
-            <a:off x="8061157" y="5258340"/>
-            <a:ext cx="3657598" cy="1077218"/>
+            <a:off x="7382546" y="2464920"/>
+            <a:ext cx="1659252" cy="369332"/>
           </a:xfrm>
           <a:prstGeom prst="rect">
             <a:avLst/>
@@ -10434,42 +10359,270 @@
           </a:bodyPr>
           <a:lstStyle/>
           <a:p>
-            <a:pPr algn="ctr"/>
-            <a:r>
-              <a:rPr lang="es-MX" sz="1600" dirty="0" smtClean="0"/>
-              <a:t>Josafat Galicia</a:t>
-            </a:r>
-          </a:p>
-          <a:p>
-            <a:pPr algn="ctr"/>
-            <a:r>
-              <a:rPr lang="es-MX" sz="1600" dirty="0" smtClean="0"/>
-              <a:t>Coordinador Operativo</a:t>
-            </a:r>
-          </a:p>
-          <a:p>
-            <a:pPr algn="ctr"/>
-            <a:r>
-              <a:rPr lang="es-MX" sz="1600" dirty="0" smtClean="0">
-                <a:solidFill>
-                  <a:srgbClr val="00B050"/>
-                </a:solidFill>
-                <a:latin typeface="Type Icons" panose="02000500000000000000" pitchFamily="2" charset="0"/>
+            <a:r>
+              <a:rPr lang="es-MX" b="0" i="0" u="none" strike="noStrike" dirty="0">
+                <a:solidFill>
+                  <a:srgbClr val="FFFFFF"/>
+                </a:solidFill>
+                <a:effectLst/>
+                <a:latin typeface="Open Sans"/>
               </a:rPr>
-              <a:t>n</a:t>
-            </a:r>
-            <a:r>
-              <a:rPr lang="es-MX" sz="1600" dirty="0" smtClean="0"/>
-              <a:t>5551803713</a:t>
-            </a:r>
-          </a:p>
-          <a:p>
-            <a:pPr algn="ctr"/>
-            <a:r>
-              <a:rPr lang="es-MX" sz="1600" dirty="0" smtClean="0"/>
-              <a:t>josafatgalicia@logisticaga.com.mx</a:t>
-            </a:r>
-            <a:endParaRPr lang="es-MX" sz="1600" dirty="0"/>
+              <a:t>55 2198 0019</a:t>
+            </a:r>
+            <a:endParaRPr lang="es-MX" dirty="0">
+              <a:latin typeface="Open Sans"/>
+            </a:endParaRPr>
+          </a:p>
+        </p:txBody>
+      </p:sp>
+      <p:cxnSp>
+        <p:nvCxnSpPr>
+          <p:cNvPr id="22" name="Conector recto 21">
+            <a:extLst>
+              <a:ext uri="{FF2B5EF4-FFF2-40B4-BE49-F238E27FC236}">
+                <a16:creationId xmlns:a16="http://schemas.microsoft.com/office/drawing/2014/main" id="{9C03AA46-37EC-47B2-86B2-480AD4469E3A}"/>
+              </a:ext>
+            </a:extLst>
+          </p:cNvPr>
+          <p:cNvCxnSpPr>
+            <a:cxnSpLocks/>
+          </p:cNvCxnSpPr>
+          <p:nvPr/>
+        </p:nvCxnSpPr>
+        <p:spPr>
+          <a:xfrm>
+            <a:off x="6801073" y="3071191"/>
+            <a:ext cx="4368976" cy="0"/>
+          </a:xfrm>
+          <a:prstGeom prst="line">
+            <a:avLst/>
+          </a:prstGeom>
+          <a:ln>
+            <a:solidFill>
+              <a:schemeClr val="tx1"/>
+            </a:solidFill>
+          </a:ln>
+        </p:spPr>
+        <p:style>
+          <a:lnRef idx="1">
+            <a:schemeClr val="accent1"/>
+          </a:lnRef>
+          <a:fillRef idx="0">
+            <a:schemeClr val="accent1"/>
+          </a:fillRef>
+          <a:effectRef idx="0">
+            <a:schemeClr val="accent1"/>
+          </a:effectRef>
+          <a:fontRef idx="minor">
+            <a:schemeClr val="tx1"/>
+          </a:fontRef>
+        </p:style>
+      </p:cxnSp>
+      <p:sp>
+        <p:nvSpPr>
+          <p:cNvPr id="32" name="CuadroTexto 31">
+            <a:extLst>
+              <a:ext uri="{FF2B5EF4-FFF2-40B4-BE49-F238E27FC236}">
+                <a16:creationId xmlns:a16="http://schemas.microsoft.com/office/drawing/2014/main" id="{4A8EC24D-B7AC-4B0D-993B-14B52C8D0114}"/>
+              </a:ext>
+            </a:extLst>
+          </p:cNvPr>
+          <p:cNvSpPr txBox="1"/>
+          <p:nvPr/>
+        </p:nvSpPr>
+        <p:spPr>
+          <a:xfrm>
+            <a:off x="8870532" y="5014987"/>
+            <a:ext cx="3123345" cy="400110"/>
+          </a:xfrm>
+          <a:prstGeom prst="rect">
+            <a:avLst/>
+          </a:prstGeom>
+          <a:noFill/>
+        </p:spPr>
+        <p:txBody>
+          <a:bodyPr wrap="square">
+            <a:spAutoFit/>
+          </a:bodyPr>
+          <a:lstStyle/>
+          <a:p>
+            <a:r>
+              <a:rPr lang="es-MX" sz="2000" dirty="0">
+                <a:latin typeface="Open Sans"/>
+              </a:rPr>
+              <a:t>daniel.</a:t>
+            </a:r>
+            <a:r>
+              <a:rPr lang="es-MX" sz="2000" b="0" i="0" dirty="0">
+                <a:effectLst/>
+                <a:latin typeface="Open Sans"/>
+              </a:rPr>
+              <a:t>grupog@mail.com</a:t>
+            </a:r>
+            <a:endParaRPr lang="es-MX" sz="2000" dirty="0">
+              <a:latin typeface="Open Sans"/>
+            </a:endParaRPr>
+          </a:p>
+        </p:txBody>
+      </p:sp>
+      <p:sp>
+        <p:nvSpPr>
+          <p:cNvPr id="27" name="CuadroTexto 26">
+            <a:extLst>
+              <a:ext uri="{FF2B5EF4-FFF2-40B4-BE49-F238E27FC236}">
+                <a16:creationId xmlns:a16="http://schemas.microsoft.com/office/drawing/2014/main" id="{A1134400-DF49-4D3E-96C5-60422A4C45C2}"/>
+              </a:ext>
+            </a:extLst>
+          </p:cNvPr>
+          <p:cNvSpPr txBox="1"/>
+          <p:nvPr/>
+        </p:nvSpPr>
+        <p:spPr>
+          <a:xfrm>
+            <a:off x="7015815" y="3327143"/>
+            <a:ext cx="3709434" cy="677108"/>
+          </a:xfrm>
+          <a:prstGeom prst="rect">
+            <a:avLst/>
+          </a:prstGeom>
+          <a:noFill/>
+        </p:spPr>
+        <p:txBody>
+          <a:bodyPr wrap="square" rtlCol="0">
+            <a:spAutoFit/>
+          </a:bodyPr>
+          <a:lstStyle/>
+          <a:p>
+            <a:r>
+              <a:rPr lang="es-MX" sz="2000" b="1" i="0" u="none" strike="noStrike" dirty="0">
+                <a:solidFill>
+                  <a:srgbClr val="FFFFFF"/>
+                </a:solidFill>
+                <a:effectLst/>
+                <a:latin typeface="Open Sans"/>
+              </a:rPr>
+              <a:t>DANIEL GALICIA HUERTA</a:t>
+            </a:r>
+            <a:endParaRPr lang="es-MX" sz="2000" dirty="0">
+              <a:latin typeface="Open Sans"/>
+            </a:endParaRPr>
+          </a:p>
+          <a:p>
+            <a:r>
+              <a:rPr lang="es-MX" dirty="0">
+                <a:latin typeface="Open Sans"/>
+              </a:rPr>
+              <a:t>Ejecutivo de cuenta</a:t>
+            </a:r>
+          </a:p>
+        </p:txBody>
+      </p:sp>
+      <p:pic>
+        <p:nvPicPr>
+          <p:cNvPr id="35" name="Picture 2">
+            <a:extLst>
+              <a:ext uri="{FF2B5EF4-FFF2-40B4-BE49-F238E27FC236}">
+                <a16:creationId xmlns:a16="http://schemas.microsoft.com/office/drawing/2014/main" id="{24A1D9C1-58B7-4374-A422-87DE5124FE5A}"/>
+              </a:ext>
+            </a:extLst>
+          </p:cNvPr>
+          <p:cNvPicPr>
+            <a:picLocks noChangeAspect="1" noChangeArrowheads="1"/>
+          </p:cNvPicPr>
+          <p:nvPr/>
+        </p:nvPicPr>
+        <p:blipFill rotWithShape="1">
+          <a:blip r:embed="rId7">
+            <a:biLevel thresh="25000"/>
+            <a:extLst>
+              <a:ext uri="{BEBA8EAE-BF5A-486C-A8C5-ECC9F3942E4B}">
+                <a14:imgProps xmlns:a14="http://schemas.microsoft.com/office/drawing/2010/main">
+                  <a14:imgLayer r:embed="rId8">
+                    <a14:imgEffect>
+                      <a14:backgroundRemoval t="9632" b="89802" l="1559" r="98246">
+                        <a14:foregroundMark x1="2144" y1="17280" x2="2144" y2="17280"/>
+                        <a14:foregroundMark x1="95517" y1="23796" x2="95517" y2="23796"/>
+                        <a14:foregroundMark x1="96881" y1="85836" x2="96881" y2="85836"/>
+                        <a14:foregroundMark x1="98246" y1="18130" x2="98246" y2="18130"/>
+                      </a14:backgroundRemoval>
+                    </a14:imgEffect>
+                  </a14:imgLayer>
+                </a14:imgProps>
+              </a:ext>
+              <a:ext uri="{28A0092B-C50C-407E-A947-70E740481C1C}">
+                <a14:useLocalDpi xmlns:a14="http://schemas.microsoft.com/office/drawing/2010/main" val="0"/>
+              </a:ext>
+            </a:extLst>
+          </a:blip>
+          <a:srcRect r="3516"/>
+          <a:stretch/>
+        </p:blipFill>
+        <p:spPr bwMode="auto">
+          <a:xfrm>
+            <a:off x="8444374" y="5090562"/>
+            <a:ext cx="360999" cy="267254"/>
+          </a:xfrm>
+          <a:prstGeom prst="rect">
+            <a:avLst/>
+          </a:prstGeom>
+          <a:noFill/>
+          <a:ln>
+            <a:solidFill>
+              <a:schemeClr val="tx1"/>
+            </a:solidFill>
+          </a:ln>
+          <a:extLst>
+            <a:ext uri="{909E8E84-426E-40DD-AFC4-6F175D3DCCD1}">
+              <a14:hiddenFill xmlns:a14="http://schemas.microsoft.com/office/drawing/2010/main">
+                <a:solidFill>
+                  <a:srgbClr val="FFFFFF"/>
+                </a:solidFill>
+              </a14:hiddenFill>
+            </a:ext>
+          </a:extLst>
+        </p:spPr>
+      </p:pic>
+      <p:sp>
+        <p:nvSpPr>
+          <p:cNvPr id="24" name="CuadroTexto 23">
+            <a:extLst>
+              <a:ext uri="{FF2B5EF4-FFF2-40B4-BE49-F238E27FC236}">
+                <a16:creationId xmlns:a16="http://schemas.microsoft.com/office/drawing/2014/main" id="{AD4DCF97-406C-4082-972C-969786A220F9}"/>
+              </a:ext>
+            </a:extLst>
+          </p:cNvPr>
+          <p:cNvSpPr txBox="1"/>
+          <p:nvPr/>
+        </p:nvSpPr>
+        <p:spPr>
+          <a:xfrm>
+            <a:off x="7041146" y="2108324"/>
+            <a:ext cx="2517522" cy="369332"/>
+          </a:xfrm>
+          <a:prstGeom prst="rect">
+            <a:avLst/>
+          </a:prstGeom>
+          <a:noFill/>
+        </p:spPr>
+        <p:txBody>
+          <a:bodyPr wrap="square">
+            <a:spAutoFit/>
+          </a:bodyPr>
+          <a:lstStyle/>
+          <a:p>
+            <a:r>
+              <a:rPr lang="es-MX" b="0" i="0" u="none" strike="noStrike" dirty="0">
+                <a:solidFill>
+                  <a:srgbClr val="FFFFFF"/>
+                </a:solidFill>
+                <a:effectLst/>
+                <a:latin typeface="Open Sans"/>
+              </a:rPr>
+              <a:t>Ejecutivo de cuenta</a:t>
+            </a:r>
+            <a:endParaRPr lang="es-MX" dirty="0">
+              <a:latin typeface="Open Sans"/>
+            </a:endParaRPr>
           </a:p>
         </p:txBody>
       </p:sp>
@@ -10483,13 +10636,6 @@
   <p:clrMapOvr>
     <a:masterClrMapping/>
   </p:clrMapOvr>
-  <p:timing>
-    <p:tnLst>
-      <p:par>
-        <p:cTn id="1" dur="indefinite" restart="never" nodeType="tmRoot"/>
-      </p:par>
-    </p:tnLst>
-  </p:timing>
 </p:sld>
 </file>
 
